--- a/assets/그림그리기.pptx
+++ b/assets/그림그리기.pptx
@@ -7,6 +7,7 @@
   <p:sldIdLst>
     <p:sldId id="256" r:id="rId2"/>
     <p:sldId id="257" r:id="rId3"/>
+    <p:sldId id="258" r:id="rId4"/>
   </p:sldIdLst>
   <p:sldSz cx="12192000" cy="6858000"/>
   <p:notesSz cx="6858000" cy="9144000"/>
@@ -105,6 +106,11 @@
       </a:defRPr>
     </a:lvl9pPr>
   </p:defaultTextStyle>
+  <p:extLst>
+    <p:ext uri="{EFAFB233-063F-42B5-8137-9DF3F51BA10A}">
+      <p15:sldGuideLst xmlns:p15="http://schemas.microsoft.com/office/powerpoint/2012/main"/>
+    </p:ext>
+  </p:extLst>
 </p:presentation>
 </file>
 
@@ -3423,8 +3429,8 @@
           <a:chExt cx="0" cy="0"/>
         </a:xfrm>
       </p:grpSpPr>
-      <mc:AlternateContent xmlns:mc="http://schemas.openxmlformats.org/markup-compatibility/2006">
-        <mc:Choice xmlns:a14="http://schemas.microsoft.com/office/drawing/2010/main" Requires="a14">
+      <mc:AlternateContent xmlns:mc="http://schemas.openxmlformats.org/markup-compatibility/2006" xmlns:a14="http://schemas.microsoft.com/office/drawing/2010/main">
+        <mc:Choice Requires="a14">
           <p:sp>
             <p:nvSpPr>
               <p:cNvPr id="4" name="타원 3">
@@ -3508,6 +3514,1520 @@
             </p:txBody>
           </p:sp>
         </mc:Choice>
+        <mc:Fallback xmlns="">
+          <p:sp>
+            <p:nvSpPr>
+              <p:cNvPr id="4" name="타원 3">
+                <a:extLst>
+                  <a:ext uri="{FF2B5EF4-FFF2-40B4-BE49-F238E27FC236}">
+                    <a16:creationId xmlns:a16="http://schemas.microsoft.com/office/drawing/2014/main" id="{9DEB9A05-3832-274E-8466-8F1707CFC28C}"/>
+                  </a:ext>
+                </a:extLst>
+              </p:cNvPr>
+              <p:cNvSpPr>
+                <a:spLocks noRot="1" noChangeAspect="1" noMove="1" noResize="1" noEditPoints="1" noAdjustHandles="1" noChangeArrowheads="1" noChangeShapeType="1" noTextEdit="1"/>
+              </p:cNvSpPr>
+              <p:nvPr/>
+            </p:nvSpPr>
+            <p:spPr>
+              <a:xfrm>
+                <a:off x="2503734" y="1404978"/>
+                <a:ext cx="741405" cy="741405"/>
+              </a:xfrm>
+              <a:prstGeom prst="ellipse">
+                <a:avLst/>
+              </a:prstGeom>
+              <a:blipFill>
+                <a:blip r:embed="rId2"/>
+                <a:stretch>
+                  <a:fillRect l="-13559" b="-16949"/>
+                </a:stretch>
+              </a:blipFill>
+              <a:ln>
+                <a:noFill/>
+              </a:ln>
+            </p:spPr>
+            <p:txBody>
+              <a:bodyPr/>
+              <a:lstStyle/>
+              <a:p>
+                <a:r>
+                  <a:rPr lang="ko-Kore-KR" altLang="en-US">
+                    <a:noFill/>
+                  </a:rPr>
+                  <a:t> </a:t>
+                </a:r>
+              </a:p>
+            </p:txBody>
+          </p:sp>
+        </mc:Fallback>
+      </mc:AlternateContent>
+      <mc:AlternateContent xmlns:mc="http://schemas.openxmlformats.org/markup-compatibility/2006" xmlns:a14="http://schemas.microsoft.com/office/drawing/2010/main">
+        <mc:Choice Requires="a14">
+          <p:sp>
+            <p:nvSpPr>
+              <p:cNvPr id="5" name="타원 4">
+                <a:extLst>
+                  <a:ext uri="{FF2B5EF4-FFF2-40B4-BE49-F238E27FC236}">
+                    <a16:creationId xmlns:a16="http://schemas.microsoft.com/office/drawing/2014/main" id="{3D483593-6831-7841-9047-48CA11A3A998}"/>
+                  </a:ext>
+                </a:extLst>
+              </p:cNvPr>
+              <p:cNvSpPr/>
+              <p:nvPr/>
+            </p:nvSpPr>
+            <p:spPr>
+              <a:xfrm>
+                <a:off x="2503733" y="2487543"/>
+                <a:ext cx="741405" cy="741405"/>
+              </a:xfrm>
+              <a:prstGeom prst="ellipse">
+                <a:avLst/>
+              </a:prstGeom>
+              <a:solidFill>
+                <a:schemeClr val="accent1">
+                  <a:lumMod val="60000"/>
+                  <a:lumOff val="40000"/>
+                </a:schemeClr>
+              </a:solidFill>
+              <a:ln>
+                <a:noFill/>
+              </a:ln>
+            </p:spPr>
+            <p:style>
+              <a:lnRef idx="2">
+                <a:schemeClr val="accent1">
+                  <a:shade val="50000"/>
+                </a:schemeClr>
+              </a:lnRef>
+              <a:fillRef idx="1">
+                <a:schemeClr val="accent1"/>
+              </a:fillRef>
+              <a:effectRef idx="0">
+                <a:schemeClr val="accent1"/>
+              </a:effectRef>
+              <a:fontRef idx="minor">
+                <a:schemeClr val="lt1"/>
+              </a:fontRef>
+            </p:style>
+            <p:txBody>
+              <a:bodyPr rtlCol="0" anchor="ctr"/>
+              <a:lstStyle/>
+              <a:p>
+                <a:pPr algn="ctr"/>
+                <a14:m>
+                  <m:oMathPara xmlns:m="http://schemas.openxmlformats.org/officeDocument/2006/math">
+                    <m:oMathParaPr>
+                      <m:jc m:val="centerGroup"/>
+                    </m:oMathParaPr>
+                    <m:oMath xmlns:m="http://schemas.openxmlformats.org/officeDocument/2006/math">
+                      <m:r>
+                        <a:rPr kumimoji="1" lang="en-US" altLang="ko-Kore-KR" sz="4000" b="0" i="1" smtClean="0">
+                          <a:solidFill>
+                            <a:schemeClr val="tx1"/>
+                          </a:solidFill>
+                          <a:latin typeface="Cambria Math" panose="02040503050406030204" pitchFamily="18" charset="0"/>
+                        </a:rPr>
+                        <m:t> </m:t>
+                      </m:r>
+                      <m:r>
+                        <a:rPr kumimoji="1" lang="en-US" altLang="ko-Kore-KR" sz="4000" i="1" smtClean="0">
+                          <a:solidFill>
+                            <a:schemeClr val="tx1"/>
+                          </a:solidFill>
+                          <a:latin typeface="Cambria Math" panose="02040503050406030204" pitchFamily="18" charset="0"/>
+                        </a:rPr>
+                        <m:t>𝑣</m:t>
+                      </m:r>
+                    </m:oMath>
+                  </m:oMathPara>
+                </a14:m>
+                <a:endParaRPr kumimoji="1" lang="ko-Kore-KR" altLang="en-US" sz="4000" dirty="0"/>
+              </a:p>
+            </p:txBody>
+          </p:sp>
+        </mc:Choice>
+        <mc:Fallback xmlns="">
+          <p:sp>
+            <p:nvSpPr>
+              <p:cNvPr id="5" name="타원 4">
+                <a:extLst>
+                  <a:ext uri="{FF2B5EF4-FFF2-40B4-BE49-F238E27FC236}">
+                    <a16:creationId xmlns:a16="http://schemas.microsoft.com/office/drawing/2014/main" id="{3D483593-6831-7841-9047-48CA11A3A998}"/>
+                  </a:ext>
+                </a:extLst>
+              </p:cNvPr>
+              <p:cNvSpPr>
+                <a:spLocks noRot="1" noChangeAspect="1" noMove="1" noResize="1" noEditPoints="1" noAdjustHandles="1" noChangeArrowheads="1" noChangeShapeType="1" noTextEdit="1"/>
+              </p:cNvSpPr>
+              <p:nvPr/>
+            </p:nvSpPr>
+            <p:spPr>
+              <a:xfrm>
+                <a:off x="2503733" y="2487543"/>
+                <a:ext cx="741405" cy="741405"/>
+              </a:xfrm>
+              <a:prstGeom prst="ellipse">
+                <a:avLst/>
+              </a:prstGeom>
+              <a:blipFill>
+                <a:blip r:embed="rId3"/>
+                <a:stretch>
+                  <a:fillRect l="-20339" b="-23333"/>
+                </a:stretch>
+              </a:blipFill>
+              <a:ln>
+                <a:noFill/>
+              </a:ln>
+            </p:spPr>
+            <p:txBody>
+              <a:bodyPr/>
+              <a:lstStyle/>
+              <a:p>
+                <a:r>
+                  <a:rPr lang="ko-Kore-KR" altLang="en-US">
+                    <a:noFill/>
+                  </a:rPr>
+                  <a:t> </a:t>
+                </a:r>
+              </a:p>
+            </p:txBody>
+          </p:sp>
+        </mc:Fallback>
+      </mc:AlternateContent>
+      <mc:AlternateContent xmlns:mc="http://schemas.openxmlformats.org/markup-compatibility/2006" xmlns:a14="http://schemas.microsoft.com/office/drawing/2010/main">
+        <mc:Choice Requires="a14">
+          <p:sp>
+            <p:nvSpPr>
+              <p:cNvPr id="8" name="타원 7">
+                <a:extLst>
+                  <a:ext uri="{FF2B5EF4-FFF2-40B4-BE49-F238E27FC236}">
+                    <a16:creationId xmlns:a16="http://schemas.microsoft.com/office/drawing/2014/main" id="{55F79856-E34C-3247-8E50-96192B1296C4}"/>
+                  </a:ext>
+                </a:extLst>
+              </p:cNvPr>
+              <p:cNvSpPr/>
+              <p:nvPr/>
+            </p:nvSpPr>
+            <p:spPr>
+              <a:xfrm>
+                <a:off x="2503733" y="3570108"/>
+                <a:ext cx="741405" cy="741405"/>
+              </a:xfrm>
+              <a:prstGeom prst="ellipse">
+                <a:avLst/>
+              </a:prstGeom>
+              <a:solidFill>
+                <a:schemeClr val="accent1">
+                  <a:lumMod val="60000"/>
+                  <a:lumOff val="40000"/>
+                </a:schemeClr>
+              </a:solidFill>
+              <a:ln>
+                <a:noFill/>
+              </a:ln>
+            </p:spPr>
+            <p:style>
+              <a:lnRef idx="2">
+                <a:schemeClr val="accent1">
+                  <a:shade val="50000"/>
+                </a:schemeClr>
+              </a:lnRef>
+              <a:fillRef idx="1">
+                <a:schemeClr val="accent1"/>
+              </a:fillRef>
+              <a:effectRef idx="0">
+                <a:schemeClr val="accent1"/>
+              </a:effectRef>
+              <a:fontRef idx="minor">
+                <a:schemeClr val="lt1"/>
+              </a:fontRef>
+            </p:style>
+            <p:txBody>
+              <a:bodyPr rtlCol="0" anchor="ctr"/>
+              <a:lstStyle/>
+              <a:p>
+                <a:pPr algn="ctr"/>
+                <a14:m>
+                  <m:oMathPara xmlns:m="http://schemas.openxmlformats.org/officeDocument/2006/math">
+                    <m:oMathParaPr>
+                      <m:jc m:val="centerGroup"/>
+                    </m:oMathParaPr>
+                    <m:oMath xmlns:m="http://schemas.openxmlformats.org/officeDocument/2006/math">
+                      <m:r>
+                        <a:rPr kumimoji="1" lang="en-US" altLang="ko-Kore-KR" sz="4000" b="0" i="1" smtClean="0">
+                          <a:solidFill>
+                            <a:schemeClr val="tx1"/>
+                          </a:solidFill>
+                          <a:latin typeface="Cambria Math" panose="02040503050406030204" pitchFamily="18" charset="0"/>
+                        </a:rPr>
+                        <m:t> </m:t>
+                      </m:r>
+                      <m:r>
+                        <a:rPr kumimoji="1" lang="en-US" altLang="ko-Kore-KR" sz="4000" i="1" smtClean="0">
+                          <a:solidFill>
+                            <a:schemeClr val="tx1"/>
+                          </a:solidFill>
+                          <a:latin typeface="Cambria Math" panose="02040503050406030204" pitchFamily="18" charset="0"/>
+                        </a:rPr>
+                        <m:t>𝑣</m:t>
+                      </m:r>
+                    </m:oMath>
+                  </m:oMathPara>
+                </a14:m>
+                <a:endParaRPr kumimoji="1" lang="ko-Kore-KR" altLang="en-US" sz="4000" dirty="0"/>
+              </a:p>
+            </p:txBody>
+          </p:sp>
+        </mc:Choice>
+        <mc:Fallback xmlns="">
+          <p:sp>
+            <p:nvSpPr>
+              <p:cNvPr id="8" name="타원 7">
+                <a:extLst>
+                  <a:ext uri="{FF2B5EF4-FFF2-40B4-BE49-F238E27FC236}">
+                    <a16:creationId xmlns:a16="http://schemas.microsoft.com/office/drawing/2014/main" id="{55F79856-E34C-3247-8E50-96192B1296C4}"/>
+                  </a:ext>
+                </a:extLst>
+              </p:cNvPr>
+              <p:cNvSpPr>
+                <a:spLocks noRot="1" noChangeAspect="1" noMove="1" noResize="1" noEditPoints="1" noAdjustHandles="1" noChangeArrowheads="1" noChangeShapeType="1" noTextEdit="1"/>
+              </p:cNvSpPr>
+              <p:nvPr/>
+            </p:nvSpPr>
+            <p:spPr>
+              <a:xfrm>
+                <a:off x="2503733" y="3570108"/>
+                <a:ext cx="741405" cy="741405"/>
+              </a:xfrm>
+              <a:prstGeom prst="ellipse">
+                <a:avLst/>
+              </a:prstGeom>
+              <a:blipFill>
+                <a:blip r:embed="rId4"/>
+                <a:stretch>
+                  <a:fillRect l="-20339" b="-23729"/>
+                </a:stretch>
+              </a:blipFill>
+              <a:ln>
+                <a:noFill/>
+              </a:ln>
+            </p:spPr>
+            <p:txBody>
+              <a:bodyPr/>
+              <a:lstStyle/>
+              <a:p>
+                <a:r>
+                  <a:rPr lang="ko-Kore-KR" altLang="en-US">
+                    <a:noFill/>
+                  </a:rPr>
+                  <a:t> </a:t>
+                </a:r>
+              </a:p>
+            </p:txBody>
+          </p:sp>
+        </mc:Fallback>
+      </mc:AlternateContent>
+      <mc:AlternateContent xmlns:mc="http://schemas.openxmlformats.org/markup-compatibility/2006" xmlns:a14="http://schemas.microsoft.com/office/drawing/2010/main">
+        <mc:Choice Requires="a14">
+          <p:sp>
+            <p:nvSpPr>
+              <p:cNvPr id="9" name="타원 8">
+                <a:extLst>
+                  <a:ext uri="{FF2B5EF4-FFF2-40B4-BE49-F238E27FC236}">
+                    <a16:creationId xmlns:a16="http://schemas.microsoft.com/office/drawing/2014/main" id="{E2F6E8EF-9CE2-C741-A38A-82B68DE25D33}"/>
+                  </a:ext>
+                </a:extLst>
+              </p:cNvPr>
+              <p:cNvSpPr/>
+              <p:nvPr/>
+            </p:nvSpPr>
+            <p:spPr>
+              <a:xfrm>
+                <a:off x="2503732" y="4652673"/>
+                <a:ext cx="741405" cy="741405"/>
+              </a:xfrm>
+              <a:prstGeom prst="ellipse">
+                <a:avLst/>
+              </a:prstGeom>
+              <a:solidFill>
+                <a:schemeClr val="accent1">
+                  <a:lumMod val="60000"/>
+                  <a:lumOff val="40000"/>
+                </a:schemeClr>
+              </a:solidFill>
+              <a:ln>
+                <a:noFill/>
+              </a:ln>
+            </p:spPr>
+            <p:style>
+              <a:lnRef idx="2">
+                <a:schemeClr val="accent1">
+                  <a:shade val="50000"/>
+                </a:schemeClr>
+              </a:lnRef>
+              <a:fillRef idx="1">
+                <a:schemeClr val="accent1"/>
+              </a:fillRef>
+              <a:effectRef idx="0">
+                <a:schemeClr val="accent1"/>
+              </a:effectRef>
+              <a:fontRef idx="minor">
+                <a:schemeClr val="lt1"/>
+              </a:fontRef>
+            </p:style>
+            <p:txBody>
+              <a:bodyPr rtlCol="0" anchor="ctr"/>
+              <a:lstStyle/>
+              <a:p>
+                <a:pPr algn="ctr"/>
+                <a14:m>
+                  <m:oMathPara xmlns:m="http://schemas.openxmlformats.org/officeDocument/2006/math">
+                    <m:oMathParaPr>
+                      <m:jc m:val="centerGroup"/>
+                    </m:oMathParaPr>
+                    <m:oMath xmlns:m="http://schemas.openxmlformats.org/officeDocument/2006/math">
+                      <m:r>
+                        <a:rPr kumimoji="1" lang="en-US" altLang="ko-Kore-KR" sz="4000" b="0" i="1" smtClean="0">
+                          <a:solidFill>
+                            <a:schemeClr val="tx1"/>
+                          </a:solidFill>
+                          <a:latin typeface="Cambria Math" panose="02040503050406030204" pitchFamily="18" charset="0"/>
+                        </a:rPr>
+                        <m:t> </m:t>
+                      </m:r>
+                      <m:r>
+                        <a:rPr kumimoji="1" lang="en-US" altLang="ko-Kore-KR" sz="4000" i="1" smtClean="0">
+                          <a:solidFill>
+                            <a:schemeClr val="tx1"/>
+                          </a:solidFill>
+                          <a:latin typeface="Cambria Math" panose="02040503050406030204" pitchFamily="18" charset="0"/>
+                        </a:rPr>
+                        <m:t>𝑣</m:t>
+                      </m:r>
+                    </m:oMath>
+                  </m:oMathPara>
+                </a14:m>
+                <a:endParaRPr kumimoji="1" lang="ko-Kore-KR" altLang="en-US" sz="4000" dirty="0"/>
+              </a:p>
+            </p:txBody>
+          </p:sp>
+        </mc:Choice>
+        <mc:Fallback xmlns="">
+          <p:sp>
+            <p:nvSpPr>
+              <p:cNvPr id="9" name="타원 8">
+                <a:extLst>
+                  <a:ext uri="{FF2B5EF4-FFF2-40B4-BE49-F238E27FC236}">
+                    <a16:creationId xmlns:a16="http://schemas.microsoft.com/office/drawing/2014/main" id="{E2F6E8EF-9CE2-C741-A38A-82B68DE25D33}"/>
+                  </a:ext>
+                </a:extLst>
+              </p:cNvPr>
+              <p:cNvSpPr>
+                <a:spLocks noRot="1" noChangeAspect="1" noMove="1" noResize="1" noEditPoints="1" noAdjustHandles="1" noChangeArrowheads="1" noChangeShapeType="1" noTextEdit="1"/>
+              </p:cNvSpPr>
+              <p:nvPr/>
+            </p:nvSpPr>
+            <p:spPr>
+              <a:xfrm>
+                <a:off x="2503732" y="4652673"/>
+                <a:ext cx="741405" cy="741405"/>
+              </a:xfrm>
+              <a:prstGeom prst="ellipse">
+                <a:avLst/>
+              </a:prstGeom>
+              <a:blipFill>
+                <a:blip r:embed="rId5"/>
+                <a:stretch>
+                  <a:fillRect l="-20339" b="-23729"/>
+                </a:stretch>
+              </a:blipFill>
+              <a:ln>
+                <a:noFill/>
+              </a:ln>
+            </p:spPr>
+            <p:txBody>
+              <a:bodyPr/>
+              <a:lstStyle/>
+              <a:p>
+                <a:r>
+                  <a:rPr lang="ko-Kore-KR" altLang="en-US">
+                    <a:noFill/>
+                  </a:rPr>
+                  <a:t> </a:t>
+                </a:r>
+              </a:p>
+            </p:txBody>
+          </p:sp>
+        </mc:Fallback>
+      </mc:AlternateContent>
+      <mc:AlternateContent xmlns:mc="http://schemas.openxmlformats.org/markup-compatibility/2006" xmlns:a14="http://schemas.microsoft.com/office/drawing/2010/main">
+        <mc:Choice Requires="a14">
+          <p:sp>
+            <p:nvSpPr>
+              <p:cNvPr id="10" name="타원 9">
+                <a:extLst>
+                  <a:ext uri="{FF2B5EF4-FFF2-40B4-BE49-F238E27FC236}">
+                    <a16:creationId xmlns:a16="http://schemas.microsoft.com/office/drawing/2014/main" id="{2885B207-2AB3-4A46-B4E3-42DDA113FB98}"/>
+                  </a:ext>
+                </a:extLst>
+              </p:cNvPr>
+              <p:cNvSpPr/>
+              <p:nvPr/>
+            </p:nvSpPr>
+            <p:spPr>
+              <a:xfrm>
+                <a:off x="4448432" y="1961031"/>
+                <a:ext cx="741405" cy="741404"/>
+              </a:xfrm>
+              <a:prstGeom prst="ellipse">
+                <a:avLst/>
+              </a:prstGeom>
+              <a:solidFill>
+                <a:schemeClr val="accent2">
+                  <a:lumMod val="60000"/>
+                  <a:lumOff val="40000"/>
+                </a:schemeClr>
+              </a:solidFill>
+              <a:ln>
+                <a:noFill/>
+              </a:ln>
+            </p:spPr>
+            <p:style>
+              <a:lnRef idx="2">
+                <a:schemeClr val="accent1">
+                  <a:shade val="50000"/>
+                </a:schemeClr>
+              </a:lnRef>
+              <a:fillRef idx="1">
+                <a:schemeClr val="accent1"/>
+              </a:fillRef>
+              <a:effectRef idx="0">
+                <a:schemeClr val="accent1"/>
+              </a:effectRef>
+              <a:fontRef idx="minor">
+                <a:schemeClr val="lt1"/>
+              </a:fontRef>
+            </p:style>
+            <p:txBody>
+              <a:bodyPr rtlCol="0" anchor="ctr"/>
+              <a:lstStyle/>
+              <a:p>
+                <a:pPr algn="ctr"/>
+                <a14:m>
+                  <m:oMathPara xmlns:m="http://schemas.openxmlformats.org/officeDocument/2006/math">
+                    <m:oMathParaPr>
+                      <m:jc m:val="centerGroup"/>
+                    </m:oMathParaPr>
+                    <m:oMath xmlns:m="http://schemas.openxmlformats.org/officeDocument/2006/math">
+                      <m:r>
+                        <a:rPr kumimoji="1" lang="en-US" altLang="ko-Kore-KR" sz="3600" b="0" i="1" smtClean="0">
+                          <a:solidFill>
+                            <a:schemeClr val="tx1"/>
+                          </a:solidFill>
+                          <a:latin typeface="Cambria Math" panose="02040503050406030204" pitchFamily="18" charset="0"/>
+                        </a:rPr>
+                        <m:t> </m:t>
+                      </m:r>
+                      <m:r>
+                        <a:rPr kumimoji="1" lang="en-US" altLang="ko-Kore-KR" sz="3600" b="0" i="1" smtClean="0">
+                          <a:solidFill>
+                            <a:schemeClr val="tx1"/>
+                          </a:solidFill>
+                          <a:latin typeface="Cambria Math" panose="02040503050406030204" pitchFamily="18" charset="0"/>
+                        </a:rPr>
+                        <m:t>h</m:t>
+                      </m:r>
+                    </m:oMath>
+                  </m:oMathPara>
+                </a14:m>
+                <a:endParaRPr kumimoji="1" lang="ko-Kore-KR" altLang="en-US" dirty="0"/>
+              </a:p>
+            </p:txBody>
+          </p:sp>
+        </mc:Choice>
+        <mc:Fallback xmlns="">
+          <p:sp>
+            <p:nvSpPr>
+              <p:cNvPr id="10" name="타원 9">
+                <a:extLst>
+                  <a:ext uri="{FF2B5EF4-FFF2-40B4-BE49-F238E27FC236}">
+                    <a16:creationId xmlns:a16="http://schemas.microsoft.com/office/drawing/2014/main" id="{2885B207-2AB3-4A46-B4E3-42DDA113FB98}"/>
+                  </a:ext>
+                </a:extLst>
+              </p:cNvPr>
+              <p:cNvSpPr>
+                <a:spLocks noRot="1" noChangeAspect="1" noMove="1" noResize="1" noEditPoints="1" noAdjustHandles="1" noChangeArrowheads="1" noChangeShapeType="1" noTextEdit="1"/>
+              </p:cNvSpPr>
+              <p:nvPr/>
+            </p:nvSpPr>
+            <p:spPr>
+              <a:xfrm>
+                <a:off x="4448432" y="1961031"/>
+                <a:ext cx="741405" cy="741404"/>
+              </a:xfrm>
+              <a:prstGeom prst="ellipse">
+                <a:avLst/>
+              </a:prstGeom>
+              <a:blipFill>
+                <a:blip r:embed="rId6"/>
+                <a:stretch>
+                  <a:fillRect l="-13559" b="-16949"/>
+                </a:stretch>
+              </a:blipFill>
+              <a:ln>
+                <a:noFill/>
+              </a:ln>
+            </p:spPr>
+            <p:txBody>
+              <a:bodyPr/>
+              <a:lstStyle/>
+              <a:p>
+                <a:r>
+                  <a:rPr lang="ko-Kore-KR" altLang="en-US">
+                    <a:noFill/>
+                  </a:rPr>
+                  <a:t> </a:t>
+                </a:r>
+              </a:p>
+            </p:txBody>
+          </p:sp>
+        </mc:Fallback>
+      </mc:AlternateContent>
+      <mc:AlternateContent xmlns:mc="http://schemas.openxmlformats.org/markup-compatibility/2006" xmlns:a14="http://schemas.microsoft.com/office/drawing/2010/main">
+        <mc:Choice Requires="a14">
+          <p:sp>
+            <p:nvSpPr>
+              <p:cNvPr id="11" name="타원 10">
+                <a:extLst>
+                  <a:ext uri="{FF2B5EF4-FFF2-40B4-BE49-F238E27FC236}">
+                    <a16:creationId xmlns:a16="http://schemas.microsoft.com/office/drawing/2014/main" id="{BD2BF06E-1ED0-E542-8CCF-6F94C5D2EDD7}"/>
+                  </a:ext>
+                </a:extLst>
+              </p:cNvPr>
+              <p:cNvSpPr/>
+              <p:nvPr/>
+            </p:nvSpPr>
+            <p:spPr>
+              <a:xfrm>
+                <a:off x="4448430" y="2959727"/>
+                <a:ext cx="741405" cy="741404"/>
+              </a:xfrm>
+              <a:prstGeom prst="ellipse">
+                <a:avLst/>
+              </a:prstGeom>
+              <a:solidFill>
+                <a:schemeClr val="accent2">
+                  <a:lumMod val="60000"/>
+                  <a:lumOff val="40000"/>
+                </a:schemeClr>
+              </a:solidFill>
+              <a:ln>
+                <a:noFill/>
+              </a:ln>
+            </p:spPr>
+            <p:style>
+              <a:lnRef idx="2">
+                <a:schemeClr val="accent1">
+                  <a:shade val="50000"/>
+                </a:schemeClr>
+              </a:lnRef>
+              <a:fillRef idx="1">
+                <a:schemeClr val="accent1"/>
+              </a:fillRef>
+              <a:effectRef idx="0">
+                <a:schemeClr val="accent1"/>
+              </a:effectRef>
+              <a:fontRef idx="minor">
+                <a:schemeClr val="lt1"/>
+              </a:fontRef>
+            </p:style>
+            <p:txBody>
+              <a:bodyPr rtlCol="0" anchor="ctr"/>
+              <a:lstStyle/>
+              <a:p>
+                <a:pPr algn="ctr"/>
+                <a14:m>
+                  <m:oMathPara xmlns:m="http://schemas.openxmlformats.org/officeDocument/2006/math">
+                    <m:oMathParaPr>
+                      <m:jc m:val="centerGroup"/>
+                    </m:oMathParaPr>
+                    <m:oMath xmlns:m="http://schemas.openxmlformats.org/officeDocument/2006/math">
+                      <m:r>
+                        <a:rPr kumimoji="1" lang="en-US" altLang="ko-Kore-KR" sz="3600" b="0" i="1" smtClean="0">
+                          <a:solidFill>
+                            <a:schemeClr val="tx1"/>
+                          </a:solidFill>
+                          <a:latin typeface="Cambria Math" panose="02040503050406030204" pitchFamily="18" charset="0"/>
+                        </a:rPr>
+                        <m:t> </m:t>
+                      </m:r>
+                      <m:r>
+                        <a:rPr kumimoji="1" lang="en-US" altLang="ko-Kore-KR" sz="3600" b="0" i="1" smtClean="0">
+                          <a:solidFill>
+                            <a:schemeClr val="tx1"/>
+                          </a:solidFill>
+                          <a:latin typeface="Cambria Math" panose="02040503050406030204" pitchFamily="18" charset="0"/>
+                        </a:rPr>
+                        <m:t>h</m:t>
+                      </m:r>
+                    </m:oMath>
+                  </m:oMathPara>
+                </a14:m>
+                <a:endParaRPr kumimoji="1" lang="ko-Kore-KR" altLang="en-US" dirty="0"/>
+              </a:p>
+            </p:txBody>
+          </p:sp>
+        </mc:Choice>
+        <mc:Fallback xmlns="">
+          <p:sp>
+            <p:nvSpPr>
+              <p:cNvPr id="11" name="타원 10">
+                <a:extLst>
+                  <a:ext uri="{FF2B5EF4-FFF2-40B4-BE49-F238E27FC236}">
+                    <a16:creationId xmlns:a16="http://schemas.microsoft.com/office/drawing/2014/main" id="{BD2BF06E-1ED0-E542-8CCF-6F94C5D2EDD7}"/>
+                  </a:ext>
+                </a:extLst>
+              </p:cNvPr>
+              <p:cNvSpPr>
+                <a:spLocks noRot="1" noChangeAspect="1" noMove="1" noResize="1" noEditPoints="1" noAdjustHandles="1" noChangeArrowheads="1" noChangeShapeType="1" noTextEdit="1"/>
+              </p:cNvSpPr>
+              <p:nvPr/>
+            </p:nvSpPr>
+            <p:spPr>
+              <a:xfrm>
+                <a:off x="4448430" y="2959727"/>
+                <a:ext cx="741405" cy="741404"/>
+              </a:xfrm>
+              <a:prstGeom prst="ellipse">
+                <a:avLst/>
+              </a:prstGeom>
+              <a:blipFill>
+                <a:blip r:embed="rId7"/>
+                <a:stretch>
+                  <a:fillRect l="-13559" b="-15254"/>
+                </a:stretch>
+              </a:blipFill>
+              <a:ln>
+                <a:noFill/>
+              </a:ln>
+            </p:spPr>
+            <p:txBody>
+              <a:bodyPr/>
+              <a:lstStyle/>
+              <a:p>
+                <a:r>
+                  <a:rPr lang="ko-Kore-KR" altLang="en-US">
+                    <a:noFill/>
+                  </a:rPr>
+                  <a:t> </a:t>
+                </a:r>
+              </a:p>
+            </p:txBody>
+          </p:sp>
+        </mc:Fallback>
+      </mc:AlternateContent>
+      <mc:AlternateContent xmlns:mc="http://schemas.openxmlformats.org/markup-compatibility/2006" xmlns:a14="http://schemas.microsoft.com/office/drawing/2010/main">
+        <mc:Choice Requires="a14">
+          <p:sp>
+            <p:nvSpPr>
+              <p:cNvPr id="12" name="타원 11">
+                <a:extLst>
+                  <a:ext uri="{FF2B5EF4-FFF2-40B4-BE49-F238E27FC236}">
+                    <a16:creationId xmlns:a16="http://schemas.microsoft.com/office/drawing/2014/main" id="{8770F98F-7C29-F748-9000-133F4E50B491}"/>
+                  </a:ext>
+                </a:extLst>
+              </p:cNvPr>
+              <p:cNvSpPr/>
+              <p:nvPr/>
+            </p:nvSpPr>
+            <p:spPr>
+              <a:xfrm>
+                <a:off x="4448431" y="3957574"/>
+                <a:ext cx="741405" cy="741404"/>
+              </a:xfrm>
+              <a:prstGeom prst="ellipse">
+                <a:avLst/>
+              </a:prstGeom>
+              <a:solidFill>
+                <a:schemeClr val="accent2">
+                  <a:lumMod val="60000"/>
+                  <a:lumOff val="40000"/>
+                </a:schemeClr>
+              </a:solidFill>
+              <a:ln>
+                <a:noFill/>
+              </a:ln>
+            </p:spPr>
+            <p:style>
+              <a:lnRef idx="2">
+                <a:schemeClr val="accent1">
+                  <a:shade val="50000"/>
+                </a:schemeClr>
+              </a:lnRef>
+              <a:fillRef idx="1">
+                <a:schemeClr val="accent1"/>
+              </a:fillRef>
+              <a:effectRef idx="0">
+                <a:schemeClr val="accent1"/>
+              </a:effectRef>
+              <a:fontRef idx="minor">
+                <a:schemeClr val="lt1"/>
+              </a:fontRef>
+            </p:style>
+            <p:txBody>
+              <a:bodyPr rtlCol="0" anchor="ctr"/>
+              <a:lstStyle/>
+              <a:p>
+                <a:pPr algn="ctr"/>
+                <a14:m>
+                  <m:oMathPara xmlns:m="http://schemas.openxmlformats.org/officeDocument/2006/math">
+                    <m:oMathParaPr>
+                      <m:jc m:val="centerGroup"/>
+                    </m:oMathParaPr>
+                    <m:oMath xmlns:m="http://schemas.openxmlformats.org/officeDocument/2006/math">
+                      <m:r>
+                        <a:rPr kumimoji="1" lang="en-US" altLang="ko-Kore-KR" sz="3600" b="0" i="1" smtClean="0">
+                          <a:solidFill>
+                            <a:schemeClr val="tx1"/>
+                          </a:solidFill>
+                          <a:latin typeface="Cambria Math" panose="02040503050406030204" pitchFamily="18" charset="0"/>
+                        </a:rPr>
+                        <m:t> </m:t>
+                      </m:r>
+                      <m:r>
+                        <a:rPr kumimoji="1" lang="en-US" altLang="ko-Kore-KR" sz="3600" b="0" i="1" smtClean="0">
+                          <a:solidFill>
+                            <a:schemeClr val="tx1"/>
+                          </a:solidFill>
+                          <a:latin typeface="Cambria Math" panose="02040503050406030204" pitchFamily="18" charset="0"/>
+                        </a:rPr>
+                        <m:t>h</m:t>
+                      </m:r>
+                    </m:oMath>
+                  </m:oMathPara>
+                </a14:m>
+                <a:endParaRPr kumimoji="1" lang="ko-Kore-KR" altLang="en-US" dirty="0"/>
+              </a:p>
+            </p:txBody>
+          </p:sp>
+        </mc:Choice>
+        <mc:Fallback xmlns="">
+          <p:sp>
+            <p:nvSpPr>
+              <p:cNvPr id="12" name="타원 11">
+                <a:extLst>
+                  <a:ext uri="{FF2B5EF4-FFF2-40B4-BE49-F238E27FC236}">
+                    <a16:creationId xmlns:a16="http://schemas.microsoft.com/office/drawing/2014/main" id="{8770F98F-7C29-F748-9000-133F4E50B491}"/>
+                  </a:ext>
+                </a:extLst>
+              </p:cNvPr>
+              <p:cNvSpPr>
+                <a:spLocks noRot="1" noChangeAspect="1" noMove="1" noResize="1" noEditPoints="1" noAdjustHandles="1" noChangeArrowheads="1" noChangeShapeType="1" noTextEdit="1"/>
+              </p:cNvSpPr>
+              <p:nvPr/>
+            </p:nvSpPr>
+            <p:spPr>
+              <a:xfrm>
+                <a:off x="4448431" y="3957574"/>
+                <a:ext cx="741405" cy="741404"/>
+              </a:xfrm>
+              <a:prstGeom prst="ellipse">
+                <a:avLst/>
+              </a:prstGeom>
+              <a:blipFill>
+                <a:blip r:embed="rId8"/>
+                <a:stretch>
+                  <a:fillRect l="-13559" b="-15000"/>
+                </a:stretch>
+              </a:blipFill>
+              <a:ln>
+                <a:noFill/>
+              </a:ln>
+            </p:spPr>
+            <p:txBody>
+              <a:bodyPr/>
+              <a:lstStyle/>
+              <a:p>
+                <a:r>
+                  <a:rPr lang="ko-Kore-KR" altLang="en-US">
+                    <a:noFill/>
+                  </a:rPr>
+                  <a:t> </a:t>
+                </a:r>
+              </a:p>
+            </p:txBody>
+          </p:sp>
+        </mc:Fallback>
+      </mc:AlternateContent>
+      <p:cxnSp>
+        <p:nvCxnSpPr>
+          <p:cNvPr id="14" name="직선 화살표 연결선 13">
+            <a:extLst>
+              <a:ext uri="{FF2B5EF4-FFF2-40B4-BE49-F238E27FC236}">
+                <a16:creationId xmlns:a16="http://schemas.microsoft.com/office/drawing/2014/main" id="{1F6A7885-FEE6-5F4A-8AA7-D7E2DE6465FD}"/>
+              </a:ext>
+            </a:extLst>
+          </p:cNvPr>
+          <p:cNvCxnSpPr>
+            <a:stCxn id="4" idx="6"/>
+            <a:endCxn id="10" idx="2"/>
+          </p:cNvCxnSpPr>
+          <p:nvPr/>
+        </p:nvCxnSpPr>
+        <p:spPr>
+          <a:xfrm>
+            <a:off x="3245139" y="1775681"/>
+            <a:ext cx="1203293" cy="556052"/>
+          </a:xfrm>
+          <a:prstGeom prst="straightConnector1">
+            <a:avLst/>
+          </a:prstGeom>
+          <a:ln w="28575">
+            <a:solidFill>
+              <a:schemeClr val="tx1"/>
+            </a:solidFill>
+            <a:headEnd type="triangle" w="lg" len="lg"/>
+            <a:tailEnd type="triangle" w="lg" len="lg"/>
+          </a:ln>
+        </p:spPr>
+        <p:style>
+          <a:lnRef idx="1">
+            <a:schemeClr val="accent1"/>
+          </a:lnRef>
+          <a:fillRef idx="0">
+            <a:schemeClr val="accent1"/>
+          </a:fillRef>
+          <a:effectRef idx="0">
+            <a:schemeClr val="accent1"/>
+          </a:effectRef>
+          <a:fontRef idx="minor">
+            <a:schemeClr val="tx1"/>
+          </a:fontRef>
+        </p:style>
+      </p:cxnSp>
+      <p:cxnSp>
+        <p:nvCxnSpPr>
+          <p:cNvPr id="15" name="직선 화살표 연결선 14">
+            <a:extLst>
+              <a:ext uri="{FF2B5EF4-FFF2-40B4-BE49-F238E27FC236}">
+                <a16:creationId xmlns:a16="http://schemas.microsoft.com/office/drawing/2014/main" id="{F5C14B54-2146-7D47-BE19-B5290936C672}"/>
+              </a:ext>
+            </a:extLst>
+          </p:cNvPr>
+          <p:cNvCxnSpPr>
+            <a:cxnSpLocks/>
+            <a:stCxn id="4" idx="6"/>
+            <a:endCxn id="11" idx="2"/>
+          </p:cNvCxnSpPr>
+          <p:nvPr/>
+        </p:nvCxnSpPr>
+        <p:spPr>
+          <a:xfrm>
+            <a:off x="3245139" y="1775681"/>
+            <a:ext cx="1203291" cy="1554748"/>
+          </a:xfrm>
+          <a:prstGeom prst="straightConnector1">
+            <a:avLst/>
+          </a:prstGeom>
+          <a:ln w="28575">
+            <a:solidFill>
+              <a:schemeClr val="tx1"/>
+            </a:solidFill>
+            <a:headEnd type="triangle" w="lg" len="lg"/>
+            <a:tailEnd type="triangle" w="lg" len="lg"/>
+          </a:ln>
+        </p:spPr>
+        <p:style>
+          <a:lnRef idx="1">
+            <a:schemeClr val="accent1"/>
+          </a:lnRef>
+          <a:fillRef idx="0">
+            <a:schemeClr val="accent1"/>
+          </a:fillRef>
+          <a:effectRef idx="0">
+            <a:schemeClr val="accent1"/>
+          </a:effectRef>
+          <a:fontRef idx="minor">
+            <a:schemeClr val="tx1"/>
+          </a:fontRef>
+        </p:style>
+      </p:cxnSp>
+      <p:cxnSp>
+        <p:nvCxnSpPr>
+          <p:cNvPr id="16" name="직선 화살표 연결선 15">
+            <a:extLst>
+              <a:ext uri="{FF2B5EF4-FFF2-40B4-BE49-F238E27FC236}">
+                <a16:creationId xmlns:a16="http://schemas.microsoft.com/office/drawing/2014/main" id="{87901620-4526-984F-9A7D-40D3F58D5F93}"/>
+              </a:ext>
+            </a:extLst>
+          </p:cNvPr>
+          <p:cNvCxnSpPr>
+            <a:cxnSpLocks/>
+            <a:stCxn id="4" idx="6"/>
+          </p:cNvCxnSpPr>
+          <p:nvPr/>
+        </p:nvCxnSpPr>
+        <p:spPr>
+          <a:xfrm>
+            <a:off x="3245139" y="1775681"/>
+            <a:ext cx="1203291" cy="2552595"/>
+          </a:xfrm>
+          <a:prstGeom prst="straightConnector1">
+            <a:avLst/>
+          </a:prstGeom>
+          <a:ln w="28575">
+            <a:solidFill>
+              <a:schemeClr val="tx1"/>
+            </a:solidFill>
+            <a:headEnd type="triangle" w="lg" len="lg"/>
+            <a:tailEnd type="triangle" w="lg" len="lg"/>
+          </a:ln>
+        </p:spPr>
+        <p:style>
+          <a:lnRef idx="1">
+            <a:schemeClr val="accent1"/>
+          </a:lnRef>
+          <a:fillRef idx="0">
+            <a:schemeClr val="accent1"/>
+          </a:fillRef>
+          <a:effectRef idx="0">
+            <a:schemeClr val="accent1"/>
+          </a:effectRef>
+          <a:fontRef idx="minor">
+            <a:schemeClr val="tx1"/>
+          </a:fontRef>
+        </p:style>
+      </p:cxnSp>
+      <p:cxnSp>
+        <p:nvCxnSpPr>
+          <p:cNvPr id="21" name="직선 화살표 연결선 20">
+            <a:extLst>
+              <a:ext uri="{FF2B5EF4-FFF2-40B4-BE49-F238E27FC236}">
+                <a16:creationId xmlns:a16="http://schemas.microsoft.com/office/drawing/2014/main" id="{A7B1A63F-7DB5-AD4A-B930-703CA97A0327}"/>
+              </a:ext>
+            </a:extLst>
+          </p:cNvPr>
+          <p:cNvCxnSpPr>
+            <a:cxnSpLocks/>
+            <a:stCxn id="9" idx="6"/>
+            <a:endCxn id="10" idx="2"/>
+          </p:cNvCxnSpPr>
+          <p:nvPr/>
+        </p:nvCxnSpPr>
+        <p:spPr>
+          <a:xfrm flipV="1">
+            <a:off x="3245137" y="2331733"/>
+            <a:ext cx="1203295" cy="2691643"/>
+          </a:xfrm>
+          <a:prstGeom prst="straightConnector1">
+            <a:avLst/>
+          </a:prstGeom>
+          <a:ln w="28575">
+            <a:solidFill>
+              <a:schemeClr val="tx1"/>
+            </a:solidFill>
+            <a:headEnd type="triangle" w="lg" len="lg"/>
+            <a:tailEnd type="triangle" w="lg" len="lg"/>
+          </a:ln>
+        </p:spPr>
+        <p:style>
+          <a:lnRef idx="1">
+            <a:schemeClr val="accent1"/>
+          </a:lnRef>
+          <a:fillRef idx="0">
+            <a:schemeClr val="accent1"/>
+          </a:fillRef>
+          <a:effectRef idx="0">
+            <a:schemeClr val="accent1"/>
+          </a:effectRef>
+          <a:fontRef idx="minor">
+            <a:schemeClr val="tx1"/>
+          </a:fontRef>
+        </p:style>
+      </p:cxnSp>
+      <p:cxnSp>
+        <p:nvCxnSpPr>
+          <p:cNvPr id="22" name="직선 화살표 연결선 21">
+            <a:extLst>
+              <a:ext uri="{FF2B5EF4-FFF2-40B4-BE49-F238E27FC236}">
+                <a16:creationId xmlns:a16="http://schemas.microsoft.com/office/drawing/2014/main" id="{2EF957AF-1C7B-5445-B9EC-07C9154767E6}"/>
+              </a:ext>
+            </a:extLst>
+          </p:cNvPr>
+          <p:cNvCxnSpPr>
+            <a:cxnSpLocks/>
+            <a:stCxn id="8" idx="6"/>
+            <a:endCxn id="10" idx="2"/>
+          </p:cNvCxnSpPr>
+          <p:nvPr/>
+        </p:nvCxnSpPr>
+        <p:spPr>
+          <a:xfrm flipV="1">
+            <a:off x="3245138" y="2331733"/>
+            <a:ext cx="1203294" cy="1609078"/>
+          </a:xfrm>
+          <a:prstGeom prst="straightConnector1">
+            <a:avLst/>
+          </a:prstGeom>
+          <a:ln w="28575">
+            <a:solidFill>
+              <a:schemeClr val="tx1"/>
+            </a:solidFill>
+            <a:headEnd type="triangle" w="lg" len="lg"/>
+            <a:tailEnd type="triangle" w="lg" len="lg"/>
+          </a:ln>
+        </p:spPr>
+        <p:style>
+          <a:lnRef idx="1">
+            <a:schemeClr val="accent1"/>
+          </a:lnRef>
+          <a:fillRef idx="0">
+            <a:schemeClr val="accent1"/>
+          </a:fillRef>
+          <a:effectRef idx="0">
+            <a:schemeClr val="accent1"/>
+          </a:effectRef>
+          <a:fontRef idx="minor">
+            <a:schemeClr val="tx1"/>
+          </a:fontRef>
+        </p:style>
+      </p:cxnSp>
+      <p:cxnSp>
+        <p:nvCxnSpPr>
+          <p:cNvPr id="23" name="직선 화살표 연결선 22">
+            <a:extLst>
+              <a:ext uri="{FF2B5EF4-FFF2-40B4-BE49-F238E27FC236}">
+                <a16:creationId xmlns:a16="http://schemas.microsoft.com/office/drawing/2014/main" id="{2C8CD30A-62AC-B343-B5C2-DC8020653AFF}"/>
+              </a:ext>
+            </a:extLst>
+          </p:cNvPr>
+          <p:cNvCxnSpPr>
+            <a:cxnSpLocks/>
+            <a:stCxn id="5" idx="6"/>
+            <a:endCxn id="10" idx="2"/>
+          </p:cNvCxnSpPr>
+          <p:nvPr/>
+        </p:nvCxnSpPr>
+        <p:spPr>
+          <a:xfrm flipV="1">
+            <a:off x="3245138" y="2331733"/>
+            <a:ext cx="1203294" cy="526513"/>
+          </a:xfrm>
+          <a:prstGeom prst="straightConnector1">
+            <a:avLst/>
+          </a:prstGeom>
+          <a:ln w="28575">
+            <a:solidFill>
+              <a:schemeClr val="tx1"/>
+            </a:solidFill>
+            <a:headEnd type="triangle" w="lg" len="lg"/>
+            <a:tailEnd type="triangle" w="lg" len="lg"/>
+          </a:ln>
+        </p:spPr>
+        <p:style>
+          <a:lnRef idx="1">
+            <a:schemeClr val="accent1"/>
+          </a:lnRef>
+          <a:fillRef idx="0">
+            <a:schemeClr val="accent1"/>
+          </a:fillRef>
+          <a:effectRef idx="0">
+            <a:schemeClr val="accent1"/>
+          </a:effectRef>
+          <a:fontRef idx="minor">
+            <a:schemeClr val="tx1"/>
+          </a:fontRef>
+        </p:style>
+      </p:cxnSp>
+      <p:cxnSp>
+        <p:nvCxnSpPr>
+          <p:cNvPr id="31" name="직선 화살표 연결선 30">
+            <a:extLst>
+              <a:ext uri="{FF2B5EF4-FFF2-40B4-BE49-F238E27FC236}">
+                <a16:creationId xmlns:a16="http://schemas.microsoft.com/office/drawing/2014/main" id="{22D63E82-64AA-2648-85A9-D13924E1DE00}"/>
+              </a:ext>
+            </a:extLst>
+          </p:cNvPr>
+          <p:cNvCxnSpPr>
+            <a:cxnSpLocks/>
+            <a:stCxn id="9" idx="6"/>
+            <a:endCxn id="11" idx="2"/>
+          </p:cNvCxnSpPr>
+          <p:nvPr/>
+        </p:nvCxnSpPr>
+        <p:spPr>
+          <a:xfrm flipV="1">
+            <a:off x="3245137" y="3330429"/>
+            <a:ext cx="1203293" cy="1692947"/>
+          </a:xfrm>
+          <a:prstGeom prst="straightConnector1">
+            <a:avLst/>
+          </a:prstGeom>
+          <a:ln w="28575">
+            <a:solidFill>
+              <a:schemeClr val="tx1"/>
+            </a:solidFill>
+            <a:headEnd type="triangle" w="lg" len="lg"/>
+            <a:tailEnd type="triangle" w="lg" len="lg"/>
+          </a:ln>
+        </p:spPr>
+        <p:style>
+          <a:lnRef idx="1">
+            <a:schemeClr val="accent1"/>
+          </a:lnRef>
+          <a:fillRef idx="0">
+            <a:schemeClr val="accent1"/>
+          </a:fillRef>
+          <a:effectRef idx="0">
+            <a:schemeClr val="accent1"/>
+          </a:effectRef>
+          <a:fontRef idx="minor">
+            <a:schemeClr val="tx1"/>
+          </a:fontRef>
+        </p:style>
+      </p:cxnSp>
+      <p:cxnSp>
+        <p:nvCxnSpPr>
+          <p:cNvPr id="34" name="직선 화살표 연결선 33">
+            <a:extLst>
+              <a:ext uri="{FF2B5EF4-FFF2-40B4-BE49-F238E27FC236}">
+                <a16:creationId xmlns:a16="http://schemas.microsoft.com/office/drawing/2014/main" id="{A1E89AF1-7C57-C445-8A5F-F617391FB788}"/>
+              </a:ext>
+            </a:extLst>
+          </p:cNvPr>
+          <p:cNvCxnSpPr>
+            <a:cxnSpLocks/>
+            <a:stCxn id="9" idx="6"/>
+            <a:endCxn id="12" idx="2"/>
+          </p:cNvCxnSpPr>
+          <p:nvPr/>
+        </p:nvCxnSpPr>
+        <p:spPr>
+          <a:xfrm flipV="1">
+            <a:off x="3245137" y="4328276"/>
+            <a:ext cx="1203294" cy="695100"/>
+          </a:xfrm>
+          <a:prstGeom prst="straightConnector1">
+            <a:avLst/>
+          </a:prstGeom>
+          <a:ln w="28575">
+            <a:solidFill>
+              <a:schemeClr val="tx1"/>
+            </a:solidFill>
+            <a:headEnd type="triangle" w="lg" len="lg"/>
+            <a:tailEnd type="triangle" w="lg" len="lg"/>
+          </a:ln>
+        </p:spPr>
+        <p:style>
+          <a:lnRef idx="1">
+            <a:schemeClr val="accent1"/>
+          </a:lnRef>
+          <a:fillRef idx="0">
+            <a:schemeClr val="accent1"/>
+          </a:fillRef>
+          <a:effectRef idx="0">
+            <a:schemeClr val="accent1"/>
+          </a:effectRef>
+          <a:fontRef idx="minor">
+            <a:schemeClr val="tx1"/>
+          </a:fontRef>
+        </p:style>
+      </p:cxnSp>
+      <p:cxnSp>
+        <p:nvCxnSpPr>
+          <p:cNvPr id="37" name="직선 화살표 연결선 36">
+            <a:extLst>
+              <a:ext uri="{FF2B5EF4-FFF2-40B4-BE49-F238E27FC236}">
+                <a16:creationId xmlns:a16="http://schemas.microsoft.com/office/drawing/2014/main" id="{45A690DC-B274-2141-8EF4-021665AED71F}"/>
+              </a:ext>
+            </a:extLst>
+          </p:cNvPr>
+          <p:cNvCxnSpPr>
+            <a:cxnSpLocks/>
+            <a:stCxn id="8" idx="6"/>
+            <a:endCxn id="11" idx="2"/>
+          </p:cNvCxnSpPr>
+          <p:nvPr/>
+        </p:nvCxnSpPr>
+        <p:spPr>
+          <a:xfrm flipV="1">
+            <a:off x="3245138" y="3330429"/>
+            <a:ext cx="1203292" cy="610382"/>
+          </a:xfrm>
+          <a:prstGeom prst="straightConnector1">
+            <a:avLst/>
+          </a:prstGeom>
+          <a:ln w="28575">
+            <a:solidFill>
+              <a:schemeClr val="tx1"/>
+            </a:solidFill>
+            <a:headEnd type="triangle" w="lg" len="lg"/>
+            <a:tailEnd type="triangle" w="lg" len="lg"/>
+          </a:ln>
+        </p:spPr>
+        <p:style>
+          <a:lnRef idx="1">
+            <a:schemeClr val="accent1"/>
+          </a:lnRef>
+          <a:fillRef idx="0">
+            <a:schemeClr val="accent1"/>
+          </a:fillRef>
+          <a:effectRef idx="0">
+            <a:schemeClr val="accent1"/>
+          </a:effectRef>
+          <a:fontRef idx="minor">
+            <a:schemeClr val="tx1"/>
+          </a:fontRef>
+        </p:style>
+      </p:cxnSp>
+      <p:cxnSp>
+        <p:nvCxnSpPr>
+          <p:cNvPr id="40" name="직선 화살표 연결선 39">
+            <a:extLst>
+              <a:ext uri="{FF2B5EF4-FFF2-40B4-BE49-F238E27FC236}">
+                <a16:creationId xmlns:a16="http://schemas.microsoft.com/office/drawing/2014/main" id="{7761BE83-BAA4-1545-98B6-92C172D0DCC4}"/>
+              </a:ext>
+            </a:extLst>
+          </p:cNvPr>
+          <p:cNvCxnSpPr>
+            <a:cxnSpLocks/>
+            <a:stCxn id="8" idx="6"/>
+            <a:endCxn id="12" idx="2"/>
+          </p:cNvCxnSpPr>
+          <p:nvPr/>
+        </p:nvCxnSpPr>
+        <p:spPr>
+          <a:xfrm>
+            <a:off x="3245138" y="3940811"/>
+            <a:ext cx="1203293" cy="387465"/>
+          </a:xfrm>
+          <a:prstGeom prst="straightConnector1">
+            <a:avLst/>
+          </a:prstGeom>
+          <a:ln w="28575">
+            <a:solidFill>
+              <a:schemeClr val="tx1"/>
+            </a:solidFill>
+            <a:headEnd type="triangle" w="lg" len="lg"/>
+            <a:tailEnd type="triangle" w="lg" len="lg"/>
+          </a:ln>
+        </p:spPr>
+        <p:style>
+          <a:lnRef idx="1">
+            <a:schemeClr val="accent1"/>
+          </a:lnRef>
+          <a:fillRef idx="0">
+            <a:schemeClr val="accent1"/>
+          </a:fillRef>
+          <a:effectRef idx="0">
+            <a:schemeClr val="accent1"/>
+          </a:effectRef>
+          <a:fontRef idx="minor">
+            <a:schemeClr val="tx1"/>
+          </a:fontRef>
+        </p:style>
+      </p:cxnSp>
+      <p:cxnSp>
+        <p:nvCxnSpPr>
+          <p:cNvPr id="43" name="직선 화살표 연결선 42">
+            <a:extLst>
+              <a:ext uri="{FF2B5EF4-FFF2-40B4-BE49-F238E27FC236}">
+                <a16:creationId xmlns:a16="http://schemas.microsoft.com/office/drawing/2014/main" id="{696D93FC-CAF0-9746-8CEE-A0B80B978D85}"/>
+              </a:ext>
+            </a:extLst>
+          </p:cNvPr>
+          <p:cNvCxnSpPr>
+            <a:cxnSpLocks/>
+            <a:stCxn id="5" idx="6"/>
+            <a:endCxn id="11" idx="2"/>
+          </p:cNvCxnSpPr>
+          <p:nvPr/>
+        </p:nvCxnSpPr>
+        <p:spPr>
+          <a:xfrm>
+            <a:off x="3245138" y="2858246"/>
+            <a:ext cx="1203292" cy="472183"/>
+          </a:xfrm>
+          <a:prstGeom prst="straightConnector1">
+            <a:avLst/>
+          </a:prstGeom>
+          <a:ln w="28575">
+            <a:solidFill>
+              <a:schemeClr val="tx1"/>
+            </a:solidFill>
+            <a:headEnd type="triangle" w="lg" len="lg"/>
+            <a:tailEnd type="triangle" w="lg" len="lg"/>
+          </a:ln>
+        </p:spPr>
+        <p:style>
+          <a:lnRef idx="1">
+            <a:schemeClr val="accent1"/>
+          </a:lnRef>
+          <a:fillRef idx="0">
+            <a:schemeClr val="accent1"/>
+          </a:fillRef>
+          <a:effectRef idx="0">
+            <a:schemeClr val="accent1"/>
+          </a:effectRef>
+          <a:fontRef idx="minor">
+            <a:schemeClr val="tx1"/>
+          </a:fontRef>
+        </p:style>
+      </p:cxnSp>
+      <p:cxnSp>
+        <p:nvCxnSpPr>
+          <p:cNvPr id="46" name="직선 화살표 연결선 45">
+            <a:extLst>
+              <a:ext uri="{FF2B5EF4-FFF2-40B4-BE49-F238E27FC236}">
+                <a16:creationId xmlns:a16="http://schemas.microsoft.com/office/drawing/2014/main" id="{2AB51264-3818-B346-9974-630376927311}"/>
+              </a:ext>
+            </a:extLst>
+          </p:cNvPr>
+          <p:cNvCxnSpPr>
+            <a:cxnSpLocks/>
+            <a:stCxn id="5" idx="6"/>
+            <a:endCxn id="12" idx="2"/>
+          </p:cNvCxnSpPr>
+          <p:nvPr/>
+        </p:nvCxnSpPr>
+        <p:spPr>
+          <a:xfrm>
+            <a:off x="3245138" y="2858246"/>
+            <a:ext cx="1203293" cy="1470030"/>
+          </a:xfrm>
+          <a:prstGeom prst="straightConnector1">
+            <a:avLst/>
+          </a:prstGeom>
+          <a:ln w="28575">
+            <a:solidFill>
+              <a:schemeClr val="tx1"/>
+            </a:solidFill>
+            <a:headEnd type="triangle" w="lg" len="lg"/>
+            <a:tailEnd type="triangle" w="lg" len="lg"/>
+          </a:ln>
+        </p:spPr>
+        <p:style>
+          <a:lnRef idx="1">
+            <a:schemeClr val="accent1"/>
+          </a:lnRef>
+          <a:fillRef idx="0">
+            <a:schemeClr val="accent1"/>
+          </a:fillRef>
+          <a:effectRef idx="0">
+            <a:schemeClr val="accent1"/>
+          </a:effectRef>
+          <a:fontRef idx="minor">
+            <a:schemeClr val="tx1"/>
+          </a:fontRef>
+        </p:style>
+      </p:cxnSp>
+    </p:spTree>
+    <p:extLst>
+      <p:ext uri="{BB962C8B-B14F-4D97-AF65-F5344CB8AC3E}">
+        <p14:creationId xmlns:p14="http://schemas.microsoft.com/office/powerpoint/2010/main" val="4041025473"/>
+      </p:ext>
+    </p:extLst>
+  </p:cSld>
+  <p:clrMapOvr>
+    <a:masterClrMapping/>
+  </p:clrMapOvr>
+</p:sld>
+</file>
+
+<file path=ppt/slides/slide3.xml><?xml version="1.0" encoding="utf-8"?>
+<p:sld xmlns:a="http://schemas.openxmlformats.org/drawingml/2006/main" xmlns:r="http://schemas.openxmlformats.org/officeDocument/2006/relationships" xmlns:p="http://schemas.openxmlformats.org/presentationml/2006/main">
+  <p:cSld>
+    <p:spTree>
+      <p:nvGrpSpPr>
+        <p:cNvPr id="1" name=""/>
+        <p:cNvGrpSpPr/>
+        <p:nvPr/>
+      </p:nvGrpSpPr>
+      <p:grpSpPr>
+        <a:xfrm>
+          <a:off x="0" y="0"/>
+          <a:ext cx="0" cy="0"/>
+          <a:chOff x="0" y="0"/>
+          <a:chExt cx="0" cy="0"/>
+        </a:xfrm>
+      </p:grpSpPr>
+      <mc:AlternateContent xmlns:mc="http://schemas.openxmlformats.org/markup-compatibility/2006">
+        <mc:Choice xmlns:a14="http://schemas.microsoft.com/office/drawing/2010/main" Requires="a14">
+          <p:sp>
+            <p:nvSpPr>
+              <p:cNvPr id="4" name="타원 3">
+                <a:extLst>
+                  <a:ext uri="{FF2B5EF4-FFF2-40B4-BE49-F238E27FC236}">
+                    <a16:creationId xmlns:a16="http://schemas.microsoft.com/office/drawing/2014/main" id="{9DEB9A05-3832-274E-8466-8F1707CFC28C}"/>
+                  </a:ext>
+                </a:extLst>
+              </p:cNvPr>
+              <p:cNvSpPr/>
+              <p:nvPr/>
+            </p:nvSpPr>
+            <p:spPr>
+              <a:xfrm>
+                <a:off x="2503734" y="1404978"/>
+                <a:ext cx="741405" cy="741405"/>
+              </a:xfrm>
+              <a:prstGeom prst="ellipse">
+                <a:avLst/>
+              </a:prstGeom>
+              <a:solidFill>
+                <a:schemeClr val="accent1">
+                  <a:lumMod val="60000"/>
+                  <a:lumOff val="40000"/>
+                </a:schemeClr>
+              </a:solidFill>
+              <a:ln>
+                <a:noFill/>
+              </a:ln>
+            </p:spPr>
+            <p:style>
+              <a:lnRef idx="2">
+                <a:schemeClr val="accent1">
+                  <a:shade val="50000"/>
+                </a:schemeClr>
+              </a:lnRef>
+              <a:fillRef idx="1">
+                <a:schemeClr val="accent1"/>
+              </a:fillRef>
+              <a:effectRef idx="0">
+                <a:schemeClr val="accent1"/>
+              </a:effectRef>
+              <a:fontRef idx="minor">
+                <a:schemeClr val="lt1"/>
+              </a:fontRef>
+            </p:style>
+            <p:txBody>
+              <a:bodyPr rtlCol="0" anchor="ctr"/>
+              <a:lstStyle/>
+              <a:p>
+                <a:pPr algn="ctr"/>
+                <a14:m>
+                  <m:oMathPara xmlns:m="http://schemas.openxmlformats.org/officeDocument/2006/math">
+                    <m:oMathParaPr>
+                      <m:jc m:val="center"/>
+                    </m:oMathParaPr>
+                    <m:oMath xmlns:m="http://schemas.openxmlformats.org/officeDocument/2006/math">
+                      <m:r>
+                        <a:rPr kumimoji="1" lang="en-US" altLang="ko-Kore-KR" sz="3600" b="0" i="1" smtClean="0">
+                          <a:solidFill>
+                            <a:schemeClr val="tx1"/>
+                          </a:solidFill>
+                          <a:latin typeface="Cambria Math" panose="02040503050406030204" pitchFamily="18" charset="0"/>
+                        </a:rPr>
+                        <m:t> </m:t>
+                      </m:r>
+                    </m:oMath>
+                  </m:oMathPara>
+                </a14:m>
+                <a:endParaRPr kumimoji="1" lang="ko-Kore-KR" altLang="en-US" dirty="0"/>
+              </a:p>
+            </p:txBody>
+          </p:sp>
+        </mc:Choice>
         <mc:Fallback>
           <p:sp>
             <p:nvSpPr>
@@ -3534,7 +5054,7 @@
               <a:blipFill>
                 <a:blip r:embed="rId2"/>
                 <a:stretch>
-                  <a:fillRect l="-13559" b="-16949"/>
+                  <a:fillRect b="-16949"/>
                 </a:stretch>
               </a:blipFill>
               <a:ln>
@@ -3624,15 +5144,6 @@
                         </a:rPr>
                         <m:t> </m:t>
                       </m:r>
-                      <m:r>
-                        <a:rPr kumimoji="1" lang="en-US" altLang="ko-Kore-KR" sz="4000" i="1">
-                          <a:solidFill>
-                            <a:schemeClr val="tx1"/>
-                          </a:solidFill>
-                          <a:latin typeface="Cambria Math" panose="02040503050406030204" pitchFamily="18" charset="0"/>
-                        </a:rPr>
-                        <m:t>𝑣</m:t>
-                      </m:r>
                     </m:oMath>
                   </m:oMathPara>
                 </a14:m>
@@ -3667,7 +5178,7 @@
               <a:blipFill>
                 <a:blip r:embed="rId3"/>
                 <a:stretch>
-                  <a:fillRect l="-20339" b="-23333"/>
+                  <a:fillRect b="-23333"/>
                 </a:stretch>
               </a:blipFill>
               <a:ln>
@@ -3757,15 +5268,6 @@
                         </a:rPr>
                         <m:t> </m:t>
                       </m:r>
-                      <m:r>
-                        <a:rPr kumimoji="1" lang="en-US" altLang="ko-Kore-KR" sz="4000" i="1">
-                          <a:solidFill>
-                            <a:schemeClr val="tx1"/>
-                          </a:solidFill>
-                          <a:latin typeface="Cambria Math" panose="02040503050406030204" pitchFamily="18" charset="0"/>
-                        </a:rPr>
-                        <m:t>𝑣</m:t>
-                      </m:r>
                     </m:oMath>
                   </m:oMathPara>
                 </a14:m>
@@ -3800,7 +5302,7 @@
               <a:blipFill>
                 <a:blip r:embed="rId4"/>
                 <a:stretch>
-                  <a:fillRect l="-20339" b="-23729"/>
+                  <a:fillRect b="-23729"/>
                 </a:stretch>
               </a:blipFill>
               <a:ln>
@@ -3890,15 +5392,6 @@
                         </a:rPr>
                         <m:t> </m:t>
                       </m:r>
-                      <m:r>
-                        <a:rPr kumimoji="1" lang="en-US" altLang="ko-Kore-KR" sz="4000" i="1">
-                          <a:solidFill>
-                            <a:schemeClr val="tx1"/>
-                          </a:solidFill>
-                          <a:latin typeface="Cambria Math" panose="02040503050406030204" pitchFamily="18" charset="0"/>
-                        </a:rPr>
-                        <m:t>𝑣</m:t>
-                      </m:r>
                     </m:oMath>
                   </m:oMathPara>
                 </a14:m>
@@ -3933,7 +5426,7 @@
               <a:blipFill>
                 <a:blip r:embed="rId5"/>
                 <a:stretch>
-                  <a:fillRect l="-20339" b="-23729"/>
+                  <a:fillRect b="-23729"/>
                 </a:stretch>
               </a:blipFill>
               <a:ln>
@@ -3971,7 +5464,7 @@
             </p:nvSpPr>
             <p:spPr>
               <a:xfrm>
-                <a:off x="4448432" y="1961031"/>
+                <a:off x="4448434" y="2521702"/>
                 <a:ext cx="741405" cy="741404"/>
               </a:xfrm>
               <a:prstGeom prst="ellipse">
@@ -4023,15 +5516,6 @@
                         </a:rPr>
                         <m:t> </m:t>
                       </m:r>
-                      <m:r>
-                        <a:rPr kumimoji="1" lang="en-US" altLang="ko-Kore-KR" sz="3600" b="0" i="1" smtClean="0">
-                          <a:solidFill>
-                            <a:schemeClr val="tx1"/>
-                          </a:solidFill>
-                          <a:latin typeface="Cambria Math" panose="02040503050406030204" pitchFamily="18" charset="0"/>
-                        </a:rPr>
-                        <m:t>h</m:t>
-                      </m:r>
                     </m:oMath>
                   </m:oMathPara>
                 </a14:m>
@@ -4057,7 +5541,7 @@
             </p:nvSpPr>
             <p:spPr>
               <a:xfrm>
-                <a:off x="4448432" y="1961031"/>
+                <a:off x="4448434" y="2521702"/>
                 <a:ext cx="741405" cy="741404"/>
               </a:xfrm>
               <a:prstGeom prst="ellipse">
@@ -4066,7 +5550,7 @@
               <a:blipFill>
                 <a:blip r:embed="rId6"/>
                 <a:stretch>
-                  <a:fillRect l="-13559" b="-16949"/>
+                  <a:fillRect b="-16949"/>
                 </a:stretch>
               </a:blipFill>
               <a:ln>
@@ -4104,7 +5588,7 @@
             </p:nvSpPr>
             <p:spPr>
               <a:xfrm>
-                <a:off x="4448430" y="2959727"/>
+                <a:off x="4448432" y="3520398"/>
                 <a:ext cx="741405" cy="741404"/>
               </a:xfrm>
               <a:prstGeom prst="ellipse">
@@ -4156,15 +5640,6 @@
                         </a:rPr>
                         <m:t> </m:t>
                       </m:r>
-                      <m:r>
-                        <a:rPr kumimoji="1" lang="en-US" altLang="ko-Kore-KR" sz="3600" b="0" i="1" smtClean="0">
-                          <a:solidFill>
-                            <a:schemeClr val="tx1"/>
-                          </a:solidFill>
-                          <a:latin typeface="Cambria Math" panose="02040503050406030204" pitchFamily="18" charset="0"/>
-                        </a:rPr>
-                        <m:t>h</m:t>
-                      </m:r>
                     </m:oMath>
                   </m:oMathPara>
                 </a14:m>
@@ -4190,7 +5665,7 @@
             </p:nvSpPr>
             <p:spPr>
               <a:xfrm>
-                <a:off x="4448430" y="2959727"/>
+                <a:off x="4448432" y="3520398"/>
                 <a:ext cx="741405" cy="741404"/>
               </a:xfrm>
               <a:prstGeom prst="ellipse">
@@ -4199,7 +5674,506 @@
               <a:blipFill>
                 <a:blip r:embed="rId7"/>
                 <a:stretch>
-                  <a:fillRect l="-13559" b="-15254"/>
+                  <a:fillRect b="-16667"/>
+                </a:stretch>
+              </a:blipFill>
+              <a:ln>
+                <a:noFill/>
+              </a:ln>
+            </p:spPr>
+            <p:txBody>
+              <a:bodyPr/>
+              <a:lstStyle/>
+              <a:p>
+                <a:r>
+                  <a:rPr lang="ko-Kore-KR" altLang="en-US">
+                    <a:noFill/>
+                  </a:rPr>
+                  <a:t> </a:t>
+                </a:r>
+              </a:p>
+            </p:txBody>
+          </p:sp>
+        </mc:Fallback>
+      </mc:AlternateContent>
+      <p:cxnSp>
+        <p:nvCxnSpPr>
+          <p:cNvPr id="14" name="직선 화살표 연결선 13">
+            <a:extLst>
+              <a:ext uri="{FF2B5EF4-FFF2-40B4-BE49-F238E27FC236}">
+                <a16:creationId xmlns:a16="http://schemas.microsoft.com/office/drawing/2014/main" id="{1F6A7885-FEE6-5F4A-8AA7-D7E2DE6465FD}"/>
+              </a:ext>
+            </a:extLst>
+          </p:cNvPr>
+          <p:cNvCxnSpPr>
+            <a:stCxn id="4" idx="6"/>
+            <a:endCxn id="10" idx="2"/>
+          </p:cNvCxnSpPr>
+          <p:nvPr/>
+        </p:nvCxnSpPr>
+        <p:spPr>
+          <a:xfrm>
+            <a:off x="3245139" y="1775681"/>
+            <a:ext cx="1203295" cy="1116723"/>
+          </a:xfrm>
+          <a:prstGeom prst="straightConnector1">
+            <a:avLst/>
+          </a:prstGeom>
+          <a:ln w="28575">
+            <a:solidFill>
+              <a:schemeClr val="tx1"/>
+            </a:solidFill>
+            <a:headEnd type="none" w="med" len="med"/>
+            <a:tailEnd type="triangle" w="med" len="med"/>
+          </a:ln>
+        </p:spPr>
+        <p:style>
+          <a:lnRef idx="1">
+            <a:schemeClr val="accent1"/>
+          </a:lnRef>
+          <a:fillRef idx="0">
+            <a:schemeClr val="accent1"/>
+          </a:fillRef>
+          <a:effectRef idx="0">
+            <a:schemeClr val="accent1"/>
+          </a:effectRef>
+          <a:fontRef idx="minor">
+            <a:schemeClr val="tx1"/>
+          </a:fontRef>
+        </p:style>
+      </p:cxnSp>
+      <p:cxnSp>
+        <p:nvCxnSpPr>
+          <p:cNvPr id="15" name="직선 화살표 연결선 14">
+            <a:extLst>
+              <a:ext uri="{FF2B5EF4-FFF2-40B4-BE49-F238E27FC236}">
+                <a16:creationId xmlns:a16="http://schemas.microsoft.com/office/drawing/2014/main" id="{F5C14B54-2146-7D47-BE19-B5290936C672}"/>
+              </a:ext>
+            </a:extLst>
+          </p:cNvPr>
+          <p:cNvCxnSpPr>
+            <a:cxnSpLocks/>
+            <a:stCxn id="4" idx="6"/>
+            <a:endCxn id="11" idx="2"/>
+          </p:cNvCxnSpPr>
+          <p:nvPr/>
+        </p:nvCxnSpPr>
+        <p:spPr>
+          <a:xfrm>
+            <a:off x="3245139" y="1775681"/>
+            <a:ext cx="1203293" cy="2115419"/>
+          </a:xfrm>
+          <a:prstGeom prst="straightConnector1">
+            <a:avLst/>
+          </a:prstGeom>
+          <a:ln w="28575">
+            <a:solidFill>
+              <a:schemeClr val="tx1"/>
+            </a:solidFill>
+            <a:headEnd type="none" w="med" len="med"/>
+            <a:tailEnd type="triangle" w="med" len="med"/>
+          </a:ln>
+        </p:spPr>
+        <p:style>
+          <a:lnRef idx="1">
+            <a:schemeClr val="accent1"/>
+          </a:lnRef>
+          <a:fillRef idx="0">
+            <a:schemeClr val="accent1"/>
+          </a:fillRef>
+          <a:effectRef idx="0">
+            <a:schemeClr val="accent1"/>
+          </a:effectRef>
+          <a:fontRef idx="minor">
+            <a:schemeClr val="tx1"/>
+          </a:fontRef>
+        </p:style>
+      </p:cxnSp>
+      <p:cxnSp>
+        <p:nvCxnSpPr>
+          <p:cNvPr id="21" name="직선 화살표 연결선 20">
+            <a:extLst>
+              <a:ext uri="{FF2B5EF4-FFF2-40B4-BE49-F238E27FC236}">
+                <a16:creationId xmlns:a16="http://schemas.microsoft.com/office/drawing/2014/main" id="{A7B1A63F-7DB5-AD4A-B930-703CA97A0327}"/>
+              </a:ext>
+            </a:extLst>
+          </p:cNvPr>
+          <p:cNvCxnSpPr>
+            <a:cxnSpLocks/>
+            <a:stCxn id="9" idx="6"/>
+            <a:endCxn id="10" idx="2"/>
+          </p:cNvCxnSpPr>
+          <p:nvPr/>
+        </p:nvCxnSpPr>
+        <p:spPr>
+          <a:xfrm flipV="1">
+            <a:off x="3245137" y="2892404"/>
+            <a:ext cx="1203297" cy="2130972"/>
+          </a:xfrm>
+          <a:prstGeom prst="straightConnector1">
+            <a:avLst/>
+          </a:prstGeom>
+          <a:ln w="28575">
+            <a:solidFill>
+              <a:schemeClr val="tx1"/>
+            </a:solidFill>
+            <a:headEnd type="none" w="med" len="med"/>
+            <a:tailEnd type="triangle" w="med" len="med"/>
+          </a:ln>
+        </p:spPr>
+        <p:style>
+          <a:lnRef idx="1">
+            <a:schemeClr val="accent1"/>
+          </a:lnRef>
+          <a:fillRef idx="0">
+            <a:schemeClr val="accent1"/>
+          </a:fillRef>
+          <a:effectRef idx="0">
+            <a:schemeClr val="accent1"/>
+          </a:effectRef>
+          <a:fontRef idx="minor">
+            <a:schemeClr val="tx1"/>
+          </a:fontRef>
+        </p:style>
+      </p:cxnSp>
+      <p:cxnSp>
+        <p:nvCxnSpPr>
+          <p:cNvPr id="22" name="직선 화살표 연결선 21">
+            <a:extLst>
+              <a:ext uri="{FF2B5EF4-FFF2-40B4-BE49-F238E27FC236}">
+                <a16:creationId xmlns:a16="http://schemas.microsoft.com/office/drawing/2014/main" id="{2EF957AF-1C7B-5445-B9EC-07C9154767E6}"/>
+              </a:ext>
+            </a:extLst>
+          </p:cNvPr>
+          <p:cNvCxnSpPr>
+            <a:cxnSpLocks/>
+            <a:stCxn id="8" idx="6"/>
+            <a:endCxn id="10" idx="2"/>
+          </p:cNvCxnSpPr>
+          <p:nvPr/>
+        </p:nvCxnSpPr>
+        <p:spPr>
+          <a:xfrm flipV="1">
+            <a:off x="3245138" y="2892404"/>
+            <a:ext cx="1203296" cy="1048407"/>
+          </a:xfrm>
+          <a:prstGeom prst="straightConnector1">
+            <a:avLst/>
+          </a:prstGeom>
+          <a:ln w="28575">
+            <a:solidFill>
+              <a:schemeClr val="tx1"/>
+            </a:solidFill>
+            <a:headEnd type="none" w="med" len="med"/>
+            <a:tailEnd type="triangle" w="med" len="med"/>
+          </a:ln>
+        </p:spPr>
+        <p:style>
+          <a:lnRef idx="1">
+            <a:schemeClr val="accent1"/>
+          </a:lnRef>
+          <a:fillRef idx="0">
+            <a:schemeClr val="accent1"/>
+          </a:fillRef>
+          <a:effectRef idx="0">
+            <a:schemeClr val="accent1"/>
+          </a:effectRef>
+          <a:fontRef idx="minor">
+            <a:schemeClr val="tx1"/>
+          </a:fontRef>
+        </p:style>
+      </p:cxnSp>
+      <p:cxnSp>
+        <p:nvCxnSpPr>
+          <p:cNvPr id="23" name="직선 화살표 연결선 22">
+            <a:extLst>
+              <a:ext uri="{FF2B5EF4-FFF2-40B4-BE49-F238E27FC236}">
+                <a16:creationId xmlns:a16="http://schemas.microsoft.com/office/drawing/2014/main" id="{2C8CD30A-62AC-B343-B5C2-DC8020653AFF}"/>
+              </a:ext>
+            </a:extLst>
+          </p:cNvPr>
+          <p:cNvCxnSpPr>
+            <a:cxnSpLocks/>
+            <a:stCxn id="5" idx="6"/>
+            <a:endCxn id="10" idx="2"/>
+          </p:cNvCxnSpPr>
+          <p:nvPr/>
+        </p:nvCxnSpPr>
+        <p:spPr>
+          <a:xfrm>
+            <a:off x="3245138" y="2858246"/>
+            <a:ext cx="1203296" cy="34158"/>
+          </a:xfrm>
+          <a:prstGeom prst="straightConnector1">
+            <a:avLst/>
+          </a:prstGeom>
+          <a:ln w="28575">
+            <a:solidFill>
+              <a:schemeClr val="tx1"/>
+            </a:solidFill>
+            <a:headEnd type="none" w="med" len="med"/>
+            <a:tailEnd type="triangle" w="med" len="med"/>
+          </a:ln>
+        </p:spPr>
+        <p:style>
+          <a:lnRef idx="1">
+            <a:schemeClr val="accent1"/>
+          </a:lnRef>
+          <a:fillRef idx="0">
+            <a:schemeClr val="accent1"/>
+          </a:fillRef>
+          <a:effectRef idx="0">
+            <a:schemeClr val="accent1"/>
+          </a:effectRef>
+          <a:fontRef idx="minor">
+            <a:schemeClr val="tx1"/>
+          </a:fontRef>
+        </p:style>
+      </p:cxnSp>
+      <p:cxnSp>
+        <p:nvCxnSpPr>
+          <p:cNvPr id="31" name="직선 화살표 연결선 30">
+            <a:extLst>
+              <a:ext uri="{FF2B5EF4-FFF2-40B4-BE49-F238E27FC236}">
+                <a16:creationId xmlns:a16="http://schemas.microsoft.com/office/drawing/2014/main" id="{22D63E82-64AA-2648-85A9-D13924E1DE00}"/>
+              </a:ext>
+            </a:extLst>
+          </p:cNvPr>
+          <p:cNvCxnSpPr>
+            <a:cxnSpLocks/>
+            <a:stCxn id="9" idx="6"/>
+            <a:endCxn id="11" idx="2"/>
+          </p:cNvCxnSpPr>
+          <p:nvPr/>
+        </p:nvCxnSpPr>
+        <p:spPr>
+          <a:xfrm flipV="1">
+            <a:off x="3245137" y="3891100"/>
+            <a:ext cx="1203295" cy="1132276"/>
+          </a:xfrm>
+          <a:prstGeom prst="straightConnector1">
+            <a:avLst/>
+          </a:prstGeom>
+          <a:ln w="28575">
+            <a:solidFill>
+              <a:schemeClr val="tx1"/>
+            </a:solidFill>
+            <a:headEnd type="none" w="med" len="med"/>
+            <a:tailEnd type="triangle" w="med" len="med"/>
+          </a:ln>
+        </p:spPr>
+        <p:style>
+          <a:lnRef idx="1">
+            <a:schemeClr val="accent1"/>
+          </a:lnRef>
+          <a:fillRef idx="0">
+            <a:schemeClr val="accent1"/>
+          </a:fillRef>
+          <a:effectRef idx="0">
+            <a:schemeClr val="accent1"/>
+          </a:effectRef>
+          <a:fontRef idx="minor">
+            <a:schemeClr val="tx1"/>
+          </a:fontRef>
+        </p:style>
+      </p:cxnSp>
+      <p:cxnSp>
+        <p:nvCxnSpPr>
+          <p:cNvPr id="37" name="직선 화살표 연결선 36">
+            <a:extLst>
+              <a:ext uri="{FF2B5EF4-FFF2-40B4-BE49-F238E27FC236}">
+                <a16:creationId xmlns:a16="http://schemas.microsoft.com/office/drawing/2014/main" id="{45A690DC-B274-2141-8EF4-021665AED71F}"/>
+              </a:ext>
+            </a:extLst>
+          </p:cNvPr>
+          <p:cNvCxnSpPr>
+            <a:cxnSpLocks/>
+            <a:stCxn id="8" idx="6"/>
+            <a:endCxn id="11" idx="2"/>
+          </p:cNvCxnSpPr>
+          <p:nvPr/>
+        </p:nvCxnSpPr>
+        <p:spPr>
+          <a:xfrm flipV="1">
+            <a:off x="3245138" y="3891100"/>
+            <a:ext cx="1203294" cy="49711"/>
+          </a:xfrm>
+          <a:prstGeom prst="straightConnector1">
+            <a:avLst/>
+          </a:prstGeom>
+          <a:ln w="28575">
+            <a:solidFill>
+              <a:schemeClr val="tx1"/>
+            </a:solidFill>
+            <a:headEnd type="none" w="lg" len="lg"/>
+            <a:tailEnd type="triangle" w="lg" len="med"/>
+          </a:ln>
+        </p:spPr>
+        <p:style>
+          <a:lnRef idx="1">
+            <a:schemeClr val="accent1"/>
+          </a:lnRef>
+          <a:fillRef idx="0">
+            <a:schemeClr val="accent1"/>
+          </a:fillRef>
+          <a:effectRef idx="0">
+            <a:schemeClr val="accent1"/>
+          </a:effectRef>
+          <a:fontRef idx="minor">
+            <a:schemeClr val="tx1"/>
+          </a:fontRef>
+        </p:style>
+      </p:cxnSp>
+      <p:cxnSp>
+        <p:nvCxnSpPr>
+          <p:cNvPr id="43" name="직선 화살표 연결선 42">
+            <a:extLst>
+              <a:ext uri="{FF2B5EF4-FFF2-40B4-BE49-F238E27FC236}">
+                <a16:creationId xmlns:a16="http://schemas.microsoft.com/office/drawing/2014/main" id="{696D93FC-CAF0-9746-8CEE-A0B80B978D85}"/>
+              </a:ext>
+            </a:extLst>
+          </p:cNvPr>
+          <p:cNvCxnSpPr>
+            <a:cxnSpLocks/>
+            <a:stCxn id="5" idx="6"/>
+            <a:endCxn id="11" idx="2"/>
+          </p:cNvCxnSpPr>
+          <p:nvPr/>
+        </p:nvCxnSpPr>
+        <p:spPr>
+          <a:xfrm>
+            <a:off x="3245138" y="2858246"/>
+            <a:ext cx="1203294" cy="1032854"/>
+          </a:xfrm>
+          <a:prstGeom prst="straightConnector1">
+            <a:avLst/>
+          </a:prstGeom>
+          <a:ln w="28575">
+            <a:solidFill>
+              <a:schemeClr val="tx1"/>
+            </a:solidFill>
+            <a:headEnd type="none" w="med" len="med"/>
+            <a:tailEnd type="triangle" w="med" len="med"/>
+          </a:ln>
+        </p:spPr>
+        <p:style>
+          <a:lnRef idx="1">
+            <a:schemeClr val="accent1"/>
+          </a:lnRef>
+          <a:fillRef idx="0">
+            <a:schemeClr val="accent1"/>
+          </a:fillRef>
+          <a:effectRef idx="0">
+            <a:schemeClr val="accent1"/>
+          </a:effectRef>
+          <a:fontRef idx="minor">
+            <a:schemeClr val="tx1"/>
+          </a:fontRef>
+        </p:style>
+      </p:cxnSp>
+      <mc:AlternateContent xmlns:mc="http://schemas.openxmlformats.org/markup-compatibility/2006">
+        <mc:Choice xmlns:a14="http://schemas.microsoft.com/office/drawing/2010/main" Requires="a14">
+          <p:sp>
+            <p:nvSpPr>
+              <p:cNvPr id="29" name="타원 28">
+                <a:extLst>
+                  <a:ext uri="{FF2B5EF4-FFF2-40B4-BE49-F238E27FC236}">
+                    <a16:creationId xmlns:a16="http://schemas.microsoft.com/office/drawing/2014/main" id="{0DD94ECE-BEAD-3940-BE1C-C2B30D7DE7FB}"/>
+                  </a:ext>
+                </a:extLst>
+              </p:cNvPr>
+              <p:cNvSpPr/>
+              <p:nvPr/>
+            </p:nvSpPr>
+            <p:spPr>
+              <a:xfrm>
+                <a:off x="6393132" y="1404978"/>
+                <a:ext cx="741405" cy="741405"/>
+              </a:xfrm>
+              <a:prstGeom prst="ellipse">
+                <a:avLst/>
+              </a:prstGeom>
+              <a:solidFill>
+                <a:schemeClr val="accent1">
+                  <a:lumMod val="60000"/>
+                  <a:lumOff val="40000"/>
+                </a:schemeClr>
+              </a:solidFill>
+              <a:ln>
+                <a:noFill/>
+              </a:ln>
+            </p:spPr>
+            <p:style>
+              <a:lnRef idx="2">
+                <a:schemeClr val="accent1">
+                  <a:shade val="50000"/>
+                </a:schemeClr>
+              </a:lnRef>
+              <a:fillRef idx="1">
+                <a:schemeClr val="accent1"/>
+              </a:fillRef>
+              <a:effectRef idx="0">
+                <a:schemeClr val="accent1"/>
+              </a:effectRef>
+              <a:fontRef idx="minor">
+                <a:schemeClr val="lt1"/>
+              </a:fontRef>
+            </p:style>
+            <p:txBody>
+              <a:bodyPr rtlCol="0" anchor="ctr"/>
+              <a:lstStyle/>
+              <a:p>
+                <a:pPr algn="ctr"/>
+                <a14:m>
+                  <m:oMathPara xmlns:m="http://schemas.openxmlformats.org/officeDocument/2006/math">
+                    <m:oMathParaPr>
+                      <m:jc m:val="center"/>
+                    </m:oMathParaPr>
+                    <m:oMath xmlns:m="http://schemas.openxmlformats.org/officeDocument/2006/math">
+                      <m:r>
+                        <a:rPr kumimoji="1" lang="en-US" altLang="ko-Kore-KR" sz="3600" b="0" i="1" smtClean="0">
+                          <a:solidFill>
+                            <a:schemeClr val="tx1"/>
+                          </a:solidFill>
+                          <a:latin typeface="Cambria Math" panose="02040503050406030204" pitchFamily="18" charset="0"/>
+                        </a:rPr>
+                        <m:t> </m:t>
+                      </m:r>
+                    </m:oMath>
+                  </m:oMathPara>
+                </a14:m>
+                <a:endParaRPr kumimoji="1" lang="ko-Kore-KR" altLang="en-US" dirty="0"/>
+              </a:p>
+            </p:txBody>
+          </p:sp>
+        </mc:Choice>
+        <mc:Fallback>
+          <p:sp>
+            <p:nvSpPr>
+              <p:cNvPr id="29" name="타원 28">
+                <a:extLst>
+                  <a:ext uri="{FF2B5EF4-FFF2-40B4-BE49-F238E27FC236}">
+                    <a16:creationId xmlns:a16="http://schemas.microsoft.com/office/drawing/2014/main" id="{0DD94ECE-BEAD-3940-BE1C-C2B30D7DE7FB}"/>
+                  </a:ext>
+                </a:extLst>
+              </p:cNvPr>
+              <p:cNvSpPr>
+                <a:spLocks noRot="1" noChangeAspect="1" noMove="1" noResize="1" noEditPoints="1" noAdjustHandles="1" noChangeArrowheads="1" noChangeShapeType="1" noTextEdit="1"/>
+              </p:cNvSpPr>
+              <p:nvPr/>
+            </p:nvSpPr>
+            <p:spPr>
+              <a:xfrm>
+                <a:off x="6393132" y="1404978"/>
+                <a:ext cx="741405" cy="741405"/>
+              </a:xfrm>
+              <a:prstGeom prst="ellipse">
+                <a:avLst/>
+              </a:prstGeom>
+              <a:blipFill>
+                <a:blip r:embed="rId8"/>
+                <a:stretch>
+                  <a:fillRect b="-16949"/>
                 </a:stretch>
               </a:blipFill>
               <a:ln>
@@ -4225,10 +6199,10 @@
         <mc:Choice xmlns:a14="http://schemas.microsoft.com/office/drawing/2010/main" Requires="a14">
           <p:sp>
             <p:nvSpPr>
-              <p:cNvPr id="12" name="타원 11">
+              <p:cNvPr id="30" name="타원 29">
                 <a:extLst>
                   <a:ext uri="{FF2B5EF4-FFF2-40B4-BE49-F238E27FC236}">
-                    <a16:creationId xmlns:a16="http://schemas.microsoft.com/office/drawing/2014/main" id="{8770F98F-7C29-F748-9000-133F4E50B491}"/>
+                    <a16:creationId xmlns:a16="http://schemas.microsoft.com/office/drawing/2014/main" id="{7BA76DA1-84F8-7241-AC60-C327F42CE81F}"/>
                   </a:ext>
                 </a:extLst>
               </p:cNvPr>
@@ -4237,14 +6211,14 @@
             </p:nvSpPr>
             <p:spPr>
               <a:xfrm>
-                <a:off x="4448431" y="3957574"/>
-                <a:ext cx="741405" cy="741404"/>
+                <a:off x="6393131" y="2487543"/>
+                <a:ext cx="741405" cy="741405"/>
               </a:xfrm>
               <a:prstGeom prst="ellipse">
                 <a:avLst/>
               </a:prstGeom>
               <a:solidFill>
-                <a:schemeClr val="accent2">
+                <a:schemeClr val="accent1">
                   <a:lumMod val="60000"/>
                   <a:lumOff val="40000"/>
                 </a:schemeClr>
@@ -4281,7 +6255,7 @@
                     </m:oMathParaPr>
                     <m:oMath xmlns:m="http://schemas.openxmlformats.org/officeDocument/2006/math">
                       <m:r>
-                        <a:rPr kumimoji="1" lang="en-US" altLang="ko-Kore-KR" sz="3600" b="0" i="1" smtClean="0">
+                        <a:rPr kumimoji="1" lang="en-US" altLang="ko-Kore-KR" sz="4000" b="0" i="1" smtClean="0">
                           <a:solidFill>
                             <a:schemeClr val="tx1"/>
                           </a:solidFill>
@@ -4289,19 +6263,10 @@
                         </a:rPr>
                         <m:t> </m:t>
                       </m:r>
-                      <m:r>
-                        <a:rPr kumimoji="1" lang="en-US" altLang="ko-Kore-KR" sz="3600" b="0" i="1" smtClean="0">
-                          <a:solidFill>
-                            <a:schemeClr val="tx1"/>
-                          </a:solidFill>
-                          <a:latin typeface="Cambria Math" panose="02040503050406030204" pitchFamily="18" charset="0"/>
-                        </a:rPr>
-                        <m:t>h</m:t>
-                      </m:r>
                     </m:oMath>
                   </m:oMathPara>
                 </a14:m>
-                <a:endParaRPr kumimoji="1" lang="ko-Kore-KR" altLang="en-US" dirty="0"/>
+                <a:endParaRPr kumimoji="1" lang="ko-Kore-KR" altLang="en-US" sz="4000" dirty="0"/>
               </a:p>
             </p:txBody>
           </p:sp>
@@ -4309,10 +6274,10 @@
         <mc:Fallback>
           <p:sp>
             <p:nvSpPr>
-              <p:cNvPr id="12" name="타원 11">
+              <p:cNvPr id="30" name="타원 29">
                 <a:extLst>
                   <a:ext uri="{FF2B5EF4-FFF2-40B4-BE49-F238E27FC236}">
-                    <a16:creationId xmlns:a16="http://schemas.microsoft.com/office/drawing/2014/main" id="{8770F98F-7C29-F748-9000-133F4E50B491}"/>
+                    <a16:creationId xmlns:a16="http://schemas.microsoft.com/office/drawing/2014/main" id="{7BA76DA1-84F8-7241-AC60-C327F42CE81F}"/>
                   </a:ext>
                 </a:extLst>
               </p:cNvPr>
@@ -4323,16 +6288,264 @@
             </p:nvSpPr>
             <p:spPr>
               <a:xfrm>
-                <a:off x="4448431" y="3957574"/>
-                <a:ext cx="741405" cy="741404"/>
+                <a:off x="6393131" y="2487543"/>
+                <a:ext cx="741405" cy="741405"/>
               </a:xfrm>
               <a:prstGeom prst="ellipse">
                 <a:avLst/>
               </a:prstGeom>
               <a:blipFill>
-                <a:blip r:embed="rId8"/>
+                <a:blip r:embed="rId9"/>
                 <a:stretch>
-                  <a:fillRect l="-13559" b="-15000"/>
+                  <a:fillRect b="-23333"/>
+                </a:stretch>
+              </a:blipFill>
+              <a:ln>
+                <a:noFill/>
+              </a:ln>
+            </p:spPr>
+            <p:txBody>
+              <a:bodyPr/>
+              <a:lstStyle/>
+              <a:p>
+                <a:r>
+                  <a:rPr lang="ko-Kore-KR" altLang="en-US">
+                    <a:noFill/>
+                  </a:rPr>
+                  <a:t> </a:t>
+                </a:r>
+              </a:p>
+            </p:txBody>
+          </p:sp>
+        </mc:Fallback>
+      </mc:AlternateContent>
+      <mc:AlternateContent xmlns:mc="http://schemas.openxmlformats.org/markup-compatibility/2006">
+        <mc:Choice xmlns:a14="http://schemas.microsoft.com/office/drawing/2010/main" Requires="a14">
+          <p:sp>
+            <p:nvSpPr>
+              <p:cNvPr id="32" name="타원 31">
+                <a:extLst>
+                  <a:ext uri="{FF2B5EF4-FFF2-40B4-BE49-F238E27FC236}">
+                    <a16:creationId xmlns:a16="http://schemas.microsoft.com/office/drawing/2014/main" id="{28F215F4-694A-9D4D-B1A8-E5A210DB0306}"/>
+                  </a:ext>
+                </a:extLst>
+              </p:cNvPr>
+              <p:cNvSpPr/>
+              <p:nvPr/>
+            </p:nvSpPr>
+            <p:spPr>
+              <a:xfrm>
+                <a:off x="6393131" y="3570108"/>
+                <a:ext cx="741405" cy="741405"/>
+              </a:xfrm>
+              <a:prstGeom prst="ellipse">
+                <a:avLst/>
+              </a:prstGeom>
+              <a:solidFill>
+                <a:schemeClr val="accent1">
+                  <a:lumMod val="60000"/>
+                  <a:lumOff val="40000"/>
+                </a:schemeClr>
+              </a:solidFill>
+              <a:ln>
+                <a:noFill/>
+              </a:ln>
+            </p:spPr>
+            <p:style>
+              <a:lnRef idx="2">
+                <a:schemeClr val="accent1">
+                  <a:shade val="50000"/>
+                </a:schemeClr>
+              </a:lnRef>
+              <a:fillRef idx="1">
+                <a:schemeClr val="accent1"/>
+              </a:fillRef>
+              <a:effectRef idx="0">
+                <a:schemeClr val="accent1"/>
+              </a:effectRef>
+              <a:fontRef idx="minor">
+                <a:schemeClr val="lt1"/>
+              </a:fontRef>
+            </p:style>
+            <p:txBody>
+              <a:bodyPr rtlCol="0" anchor="ctr"/>
+              <a:lstStyle/>
+              <a:p>
+                <a:pPr algn="ctr"/>
+                <a14:m>
+                  <m:oMathPara xmlns:m="http://schemas.openxmlformats.org/officeDocument/2006/math">
+                    <m:oMathParaPr>
+                      <m:jc m:val="centerGroup"/>
+                    </m:oMathParaPr>
+                    <m:oMath xmlns:m="http://schemas.openxmlformats.org/officeDocument/2006/math">
+                      <m:r>
+                        <a:rPr kumimoji="1" lang="en-US" altLang="ko-Kore-KR" sz="4000" b="0" i="1" smtClean="0">
+                          <a:solidFill>
+                            <a:schemeClr val="tx1"/>
+                          </a:solidFill>
+                          <a:latin typeface="Cambria Math" panose="02040503050406030204" pitchFamily="18" charset="0"/>
+                        </a:rPr>
+                        <m:t> </m:t>
+                      </m:r>
+                    </m:oMath>
+                  </m:oMathPara>
+                </a14:m>
+                <a:endParaRPr kumimoji="1" lang="ko-Kore-KR" altLang="en-US" sz="4000" dirty="0"/>
+              </a:p>
+            </p:txBody>
+          </p:sp>
+        </mc:Choice>
+        <mc:Fallback>
+          <p:sp>
+            <p:nvSpPr>
+              <p:cNvPr id="32" name="타원 31">
+                <a:extLst>
+                  <a:ext uri="{FF2B5EF4-FFF2-40B4-BE49-F238E27FC236}">
+                    <a16:creationId xmlns:a16="http://schemas.microsoft.com/office/drawing/2014/main" id="{28F215F4-694A-9D4D-B1A8-E5A210DB0306}"/>
+                  </a:ext>
+                </a:extLst>
+              </p:cNvPr>
+              <p:cNvSpPr>
+                <a:spLocks noRot="1" noChangeAspect="1" noMove="1" noResize="1" noEditPoints="1" noAdjustHandles="1" noChangeArrowheads="1" noChangeShapeType="1" noTextEdit="1"/>
+              </p:cNvSpPr>
+              <p:nvPr/>
+            </p:nvSpPr>
+            <p:spPr>
+              <a:xfrm>
+                <a:off x="6393131" y="3570108"/>
+                <a:ext cx="741405" cy="741405"/>
+              </a:xfrm>
+              <a:prstGeom prst="ellipse">
+                <a:avLst/>
+              </a:prstGeom>
+              <a:blipFill>
+                <a:blip r:embed="rId10"/>
+                <a:stretch>
+                  <a:fillRect b="-23729"/>
+                </a:stretch>
+              </a:blipFill>
+              <a:ln>
+                <a:noFill/>
+              </a:ln>
+            </p:spPr>
+            <p:txBody>
+              <a:bodyPr/>
+              <a:lstStyle/>
+              <a:p>
+                <a:r>
+                  <a:rPr lang="ko-Kore-KR" altLang="en-US">
+                    <a:noFill/>
+                  </a:rPr>
+                  <a:t> </a:t>
+                </a:r>
+              </a:p>
+            </p:txBody>
+          </p:sp>
+        </mc:Fallback>
+      </mc:AlternateContent>
+      <mc:AlternateContent xmlns:mc="http://schemas.openxmlformats.org/markup-compatibility/2006">
+        <mc:Choice xmlns:a14="http://schemas.microsoft.com/office/drawing/2010/main" Requires="a14">
+          <p:sp>
+            <p:nvSpPr>
+              <p:cNvPr id="33" name="타원 32">
+                <a:extLst>
+                  <a:ext uri="{FF2B5EF4-FFF2-40B4-BE49-F238E27FC236}">
+                    <a16:creationId xmlns:a16="http://schemas.microsoft.com/office/drawing/2014/main" id="{46E9B0CA-F252-EA4B-9808-4357DE7A1CC7}"/>
+                  </a:ext>
+                </a:extLst>
+              </p:cNvPr>
+              <p:cNvSpPr/>
+              <p:nvPr/>
+            </p:nvSpPr>
+            <p:spPr>
+              <a:xfrm>
+                <a:off x="6393130" y="4652673"/>
+                <a:ext cx="741405" cy="741405"/>
+              </a:xfrm>
+              <a:prstGeom prst="ellipse">
+                <a:avLst/>
+              </a:prstGeom>
+              <a:solidFill>
+                <a:schemeClr val="accent1">
+                  <a:lumMod val="60000"/>
+                  <a:lumOff val="40000"/>
+                </a:schemeClr>
+              </a:solidFill>
+              <a:ln>
+                <a:noFill/>
+              </a:ln>
+            </p:spPr>
+            <p:style>
+              <a:lnRef idx="2">
+                <a:schemeClr val="accent1">
+                  <a:shade val="50000"/>
+                </a:schemeClr>
+              </a:lnRef>
+              <a:fillRef idx="1">
+                <a:schemeClr val="accent1"/>
+              </a:fillRef>
+              <a:effectRef idx="0">
+                <a:schemeClr val="accent1"/>
+              </a:effectRef>
+              <a:fontRef idx="minor">
+                <a:schemeClr val="lt1"/>
+              </a:fontRef>
+            </p:style>
+            <p:txBody>
+              <a:bodyPr rtlCol="0" anchor="ctr"/>
+              <a:lstStyle/>
+              <a:p>
+                <a:pPr algn="ctr"/>
+                <a14:m>
+                  <m:oMathPara xmlns:m="http://schemas.openxmlformats.org/officeDocument/2006/math">
+                    <m:oMathParaPr>
+                      <m:jc m:val="centerGroup"/>
+                    </m:oMathParaPr>
+                    <m:oMath xmlns:m="http://schemas.openxmlformats.org/officeDocument/2006/math">
+                      <m:r>
+                        <a:rPr kumimoji="1" lang="en-US" altLang="ko-Kore-KR" sz="4000" b="0" i="1" smtClean="0">
+                          <a:solidFill>
+                            <a:schemeClr val="tx1"/>
+                          </a:solidFill>
+                          <a:latin typeface="Cambria Math" panose="02040503050406030204" pitchFamily="18" charset="0"/>
+                        </a:rPr>
+                        <m:t> </m:t>
+                      </m:r>
+                    </m:oMath>
+                  </m:oMathPara>
+                </a14:m>
+                <a:endParaRPr kumimoji="1" lang="ko-Kore-KR" altLang="en-US" sz="4000" dirty="0"/>
+              </a:p>
+            </p:txBody>
+          </p:sp>
+        </mc:Choice>
+        <mc:Fallback>
+          <p:sp>
+            <p:nvSpPr>
+              <p:cNvPr id="33" name="타원 32">
+                <a:extLst>
+                  <a:ext uri="{FF2B5EF4-FFF2-40B4-BE49-F238E27FC236}">
+                    <a16:creationId xmlns:a16="http://schemas.microsoft.com/office/drawing/2014/main" id="{46E9B0CA-F252-EA4B-9808-4357DE7A1CC7}"/>
+                  </a:ext>
+                </a:extLst>
+              </p:cNvPr>
+              <p:cNvSpPr>
+                <a:spLocks noRot="1" noChangeAspect="1" noMove="1" noResize="1" noEditPoints="1" noAdjustHandles="1" noChangeArrowheads="1" noChangeShapeType="1" noTextEdit="1"/>
+              </p:cNvSpPr>
+              <p:nvPr/>
+            </p:nvSpPr>
+            <p:spPr>
+              <a:xfrm>
+                <a:off x="6393130" y="4652673"/>
+                <a:ext cx="741405" cy="741405"/>
+              </a:xfrm>
+              <a:prstGeom prst="ellipse">
+                <a:avLst/>
+              </a:prstGeom>
+              <a:blipFill>
+                <a:blip r:embed="rId11"/>
+                <a:stretch>
+                  <a:fillRect b="-23729"/>
                 </a:stretch>
               </a:blipFill>
               <a:ln>
@@ -4356,23 +6569,23 @@
       </mc:AlternateContent>
       <p:cxnSp>
         <p:nvCxnSpPr>
-          <p:cNvPr id="14" name="직선 화살표 연결선 13">
-            <a:extLst>
-              <a:ext uri="{FF2B5EF4-FFF2-40B4-BE49-F238E27FC236}">
-                <a16:creationId xmlns:a16="http://schemas.microsoft.com/office/drawing/2014/main" id="{1F6A7885-FEE6-5F4A-8AA7-D7E2DE6465FD}"/>
+          <p:cNvPr id="24" name="직선 화살표 연결선 23">
+            <a:extLst>
+              <a:ext uri="{FF2B5EF4-FFF2-40B4-BE49-F238E27FC236}">
+                <a16:creationId xmlns:a16="http://schemas.microsoft.com/office/drawing/2014/main" id="{A6579832-C97C-D643-AF9B-02CE6D26C585}"/>
               </a:ext>
             </a:extLst>
           </p:cNvPr>
           <p:cNvCxnSpPr>
-            <a:stCxn id="4" idx="6"/>
-            <a:endCxn id="10" idx="2"/>
+            <a:stCxn id="10" idx="6"/>
+            <a:endCxn id="29" idx="2"/>
           </p:cNvCxnSpPr>
           <p:nvPr/>
         </p:nvCxnSpPr>
         <p:spPr>
-          <a:xfrm>
-            <a:off x="3245139" y="1775681"/>
-            <a:ext cx="1203293" cy="556052"/>
+          <a:xfrm flipV="1">
+            <a:off x="5189839" y="1775681"/>
+            <a:ext cx="1203293" cy="1116723"/>
           </a:xfrm>
           <a:prstGeom prst="straightConnector1">
             <a:avLst/>
@@ -4381,8 +6594,7 @@
             <a:solidFill>
               <a:schemeClr val="tx1"/>
             </a:solidFill>
-            <a:headEnd type="triangle" w="lg" len="lg"/>
-            <a:tailEnd type="triangle" w="lg" len="lg"/>
+            <a:tailEnd type="triangle"/>
           </a:ln>
         </p:spPr>
         <p:style>
@@ -4402,24 +6614,24 @@
       </p:cxnSp>
       <p:cxnSp>
         <p:nvCxnSpPr>
-          <p:cNvPr id="15" name="직선 화살표 연결선 14">
-            <a:extLst>
-              <a:ext uri="{FF2B5EF4-FFF2-40B4-BE49-F238E27FC236}">
-                <a16:creationId xmlns:a16="http://schemas.microsoft.com/office/drawing/2014/main" id="{F5C14B54-2146-7D47-BE19-B5290936C672}"/>
+          <p:cNvPr id="35" name="직선 화살표 연결선 34">
+            <a:extLst>
+              <a:ext uri="{FF2B5EF4-FFF2-40B4-BE49-F238E27FC236}">
+                <a16:creationId xmlns:a16="http://schemas.microsoft.com/office/drawing/2014/main" id="{8E1172AB-087A-B241-B130-0D43AFE54325}"/>
               </a:ext>
             </a:extLst>
           </p:cNvPr>
           <p:cNvCxnSpPr>
             <a:cxnSpLocks/>
-            <a:stCxn id="4" idx="6"/>
-            <a:endCxn id="11" idx="2"/>
+            <a:stCxn id="10" idx="6"/>
+            <a:endCxn id="30" idx="2"/>
           </p:cNvCxnSpPr>
           <p:nvPr/>
         </p:nvCxnSpPr>
         <p:spPr>
-          <a:xfrm>
-            <a:off x="3245139" y="1775681"/>
-            <a:ext cx="1203291" cy="1554748"/>
+          <a:xfrm flipV="1">
+            <a:off x="5189839" y="2858246"/>
+            <a:ext cx="1203292" cy="34158"/>
           </a:xfrm>
           <a:prstGeom prst="straightConnector1">
             <a:avLst/>
@@ -4428,8 +6640,7 @@
             <a:solidFill>
               <a:schemeClr val="tx1"/>
             </a:solidFill>
-            <a:headEnd type="triangle" w="lg" len="lg"/>
-            <a:tailEnd type="triangle" w="lg" len="lg"/>
+            <a:tailEnd type="triangle"/>
           </a:ln>
         </p:spPr>
         <p:style>
@@ -4449,23 +6660,24 @@
       </p:cxnSp>
       <p:cxnSp>
         <p:nvCxnSpPr>
-          <p:cNvPr id="16" name="직선 화살표 연결선 15">
-            <a:extLst>
-              <a:ext uri="{FF2B5EF4-FFF2-40B4-BE49-F238E27FC236}">
-                <a16:creationId xmlns:a16="http://schemas.microsoft.com/office/drawing/2014/main" id="{87901620-4526-984F-9A7D-40D3F58D5F93}"/>
+          <p:cNvPr id="36" name="직선 화살표 연결선 35">
+            <a:extLst>
+              <a:ext uri="{FF2B5EF4-FFF2-40B4-BE49-F238E27FC236}">
+                <a16:creationId xmlns:a16="http://schemas.microsoft.com/office/drawing/2014/main" id="{F71AFF7F-8C32-9D44-9F14-F7A804C5BF46}"/>
               </a:ext>
             </a:extLst>
           </p:cNvPr>
           <p:cNvCxnSpPr>
             <a:cxnSpLocks/>
-            <a:stCxn id="4" idx="6"/>
+            <a:stCxn id="10" idx="6"/>
+            <a:endCxn id="32" idx="2"/>
           </p:cNvCxnSpPr>
           <p:nvPr/>
         </p:nvCxnSpPr>
         <p:spPr>
           <a:xfrm>
-            <a:off x="3245139" y="1775681"/>
-            <a:ext cx="1203291" cy="2552595"/>
+            <a:off x="5189839" y="2892404"/>
+            <a:ext cx="1203292" cy="1048407"/>
           </a:xfrm>
           <a:prstGeom prst="straightConnector1">
             <a:avLst/>
@@ -4474,8 +6686,7 @@
             <a:solidFill>
               <a:schemeClr val="tx1"/>
             </a:solidFill>
-            <a:headEnd type="triangle" w="lg" len="lg"/>
-            <a:tailEnd type="triangle" w="lg" len="lg"/>
+            <a:tailEnd type="triangle"/>
           </a:ln>
         </p:spPr>
         <p:style>
@@ -4495,24 +6706,24 @@
       </p:cxnSp>
       <p:cxnSp>
         <p:nvCxnSpPr>
-          <p:cNvPr id="21" name="직선 화살표 연결선 20">
-            <a:extLst>
-              <a:ext uri="{FF2B5EF4-FFF2-40B4-BE49-F238E27FC236}">
-                <a16:creationId xmlns:a16="http://schemas.microsoft.com/office/drawing/2014/main" id="{A7B1A63F-7DB5-AD4A-B930-703CA97A0327}"/>
+          <p:cNvPr id="38" name="직선 화살표 연결선 37">
+            <a:extLst>
+              <a:ext uri="{FF2B5EF4-FFF2-40B4-BE49-F238E27FC236}">
+                <a16:creationId xmlns:a16="http://schemas.microsoft.com/office/drawing/2014/main" id="{52BB4A5F-F827-9A4E-AE07-12F8F7407EC6}"/>
               </a:ext>
             </a:extLst>
           </p:cNvPr>
           <p:cNvCxnSpPr>
             <a:cxnSpLocks/>
-            <a:stCxn id="9" idx="6"/>
-            <a:endCxn id="10" idx="2"/>
+            <a:stCxn id="10" idx="6"/>
+            <a:endCxn id="33" idx="2"/>
           </p:cNvCxnSpPr>
           <p:nvPr/>
         </p:nvCxnSpPr>
         <p:spPr>
-          <a:xfrm flipV="1">
-            <a:off x="3245137" y="2331733"/>
-            <a:ext cx="1203295" cy="2691643"/>
+          <a:xfrm>
+            <a:off x="5189839" y="2892404"/>
+            <a:ext cx="1203291" cy="2130972"/>
           </a:xfrm>
           <a:prstGeom prst="straightConnector1">
             <a:avLst/>
@@ -4521,8 +6732,7 @@
             <a:solidFill>
               <a:schemeClr val="tx1"/>
             </a:solidFill>
-            <a:headEnd type="triangle" w="lg" len="lg"/>
-            <a:tailEnd type="triangle" w="lg" len="lg"/>
+            <a:tailEnd type="triangle"/>
           </a:ln>
         </p:spPr>
         <p:style>
@@ -4542,24 +6752,24 @@
       </p:cxnSp>
       <p:cxnSp>
         <p:nvCxnSpPr>
-          <p:cNvPr id="22" name="직선 화살표 연결선 21">
-            <a:extLst>
-              <a:ext uri="{FF2B5EF4-FFF2-40B4-BE49-F238E27FC236}">
-                <a16:creationId xmlns:a16="http://schemas.microsoft.com/office/drawing/2014/main" id="{2EF957AF-1C7B-5445-B9EC-07C9154767E6}"/>
+          <p:cNvPr id="45" name="직선 화살표 연결선 44">
+            <a:extLst>
+              <a:ext uri="{FF2B5EF4-FFF2-40B4-BE49-F238E27FC236}">
+                <a16:creationId xmlns:a16="http://schemas.microsoft.com/office/drawing/2014/main" id="{EA098F48-28E9-9447-A94C-C5D2C6FCED76}"/>
               </a:ext>
             </a:extLst>
           </p:cNvPr>
           <p:cNvCxnSpPr>
             <a:cxnSpLocks/>
-            <a:stCxn id="8" idx="6"/>
-            <a:endCxn id="10" idx="2"/>
+            <a:stCxn id="11" idx="6"/>
+            <a:endCxn id="29" idx="2"/>
           </p:cNvCxnSpPr>
           <p:nvPr/>
         </p:nvCxnSpPr>
         <p:spPr>
           <a:xfrm flipV="1">
-            <a:off x="3245138" y="2331733"/>
-            <a:ext cx="1203294" cy="1609078"/>
+            <a:off x="5189837" y="1775681"/>
+            <a:ext cx="1203295" cy="2115419"/>
           </a:xfrm>
           <a:prstGeom prst="straightConnector1">
             <a:avLst/>
@@ -4568,8 +6778,7 @@
             <a:solidFill>
               <a:schemeClr val="tx1"/>
             </a:solidFill>
-            <a:headEnd type="triangle" w="lg" len="lg"/>
-            <a:tailEnd type="triangle" w="lg" len="lg"/>
+            <a:tailEnd type="triangle"/>
           </a:ln>
         </p:spPr>
         <p:style>
@@ -4589,24 +6798,24 @@
       </p:cxnSp>
       <p:cxnSp>
         <p:nvCxnSpPr>
-          <p:cNvPr id="23" name="직선 화살표 연결선 22">
-            <a:extLst>
-              <a:ext uri="{FF2B5EF4-FFF2-40B4-BE49-F238E27FC236}">
-                <a16:creationId xmlns:a16="http://schemas.microsoft.com/office/drawing/2014/main" id="{2C8CD30A-62AC-B343-B5C2-DC8020653AFF}"/>
+          <p:cNvPr id="48" name="직선 화살표 연결선 47">
+            <a:extLst>
+              <a:ext uri="{FF2B5EF4-FFF2-40B4-BE49-F238E27FC236}">
+                <a16:creationId xmlns:a16="http://schemas.microsoft.com/office/drawing/2014/main" id="{3288240E-C5AE-8440-A6B1-2265E7E5C945}"/>
               </a:ext>
             </a:extLst>
           </p:cNvPr>
           <p:cNvCxnSpPr>
             <a:cxnSpLocks/>
-            <a:stCxn id="5" idx="6"/>
-            <a:endCxn id="10" idx="2"/>
+            <a:stCxn id="11" idx="6"/>
+            <a:endCxn id="30" idx="2"/>
           </p:cNvCxnSpPr>
           <p:nvPr/>
         </p:nvCxnSpPr>
         <p:spPr>
           <a:xfrm flipV="1">
-            <a:off x="3245138" y="2331733"/>
-            <a:ext cx="1203294" cy="526513"/>
+            <a:off x="5189837" y="2858246"/>
+            <a:ext cx="1203294" cy="1032854"/>
           </a:xfrm>
           <a:prstGeom prst="straightConnector1">
             <a:avLst/>
@@ -4615,8 +6824,7 @@
             <a:solidFill>
               <a:schemeClr val="tx1"/>
             </a:solidFill>
-            <a:headEnd type="triangle" w="lg" len="lg"/>
-            <a:tailEnd type="triangle" w="lg" len="lg"/>
+            <a:tailEnd type="triangle"/>
           </a:ln>
         </p:spPr>
         <p:style>
@@ -4636,24 +6844,24 @@
       </p:cxnSp>
       <p:cxnSp>
         <p:nvCxnSpPr>
-          <p:cNvPr id="31" name="직선 화살표 연결선 30">
-            <a:extLst>
-              <a:ext uri="{FF2B5EF4-FFF2-40B4-BE49-F238E27FC236}">
-                <a16:creationId xmlns:a16="http://schemas.microsoft.com/office/drawing/2014/main" id="{22D63E82-64AA-2648-85A9-D13924E1DE00}"/>
+          <p:cNvPr id="49" name="직선 화살표 연결선 48">
+            <a:extLst>
+              <a:ext uri="{FF2B5EF4-FFF2-40B4-BE49-F238E27FC236}">
+                <a16:creationId xmlns:a16="http://schemas.microsoft.com/office/drawing/2014/main" id="{4269F8C9-C9CC-F841-AD45-202B814703FB}"/>
               </a:ext>
             </a:extLst>
           </p:cNvPr>
           <p:cNvCxnSpPr>
             <a:cxnSpLocks/>
-            <a:stCxn id="9" idx="6"/>
-            <a:endCxn id="11" idx="2"/>
+            <a:stCxn id="11" idx="6"/>
+            <a:endCxn id="32" idx="2"/>
           </p:cNvCxnSpPr>
           <p:nvPr/>
         </p:nvCxnSpPr>
         <p:spPr>
-          <a:xfrm flipV="1">
-            <a:off x="3245137" y="3330429"/>
-            <a:ext cx="1203293" cy="1692947"/>
+          <a:xfrm>
+            <a:off x="5189837" y="3891100"/>
+            <a:ext cx="1203294" cy="49711"/>
           </a:xfrm>
           <a:prstGeom prst="straightConnector1">
             <a:avLst/>
@@ -4662,8 +6870,7 @@
             <a:solidFill>
               <a:schemeClr val="tx1"/>
             </a:solidFill>
-            <a:headEnd type="triangle" w="lg" len="lg"/>
-            <a:tailEnd type="triangle" w="lg" len="lg"/>
+            <a:tailEnd type="triangle"/>
           </a:ln>
         </p:spPr>
         <p:style>
@@ -4683,24 +6890,24 @@
       </p:cxnSp>
       <p:cxnSp>
         <p:nvCxnSpPr>
-          <p:cNvPr id="34" name="직선 화살표 연결선 33">
-            <a:extLst>
-              <a:ext uri="{FF2B5EF4-FFF2-40B4-BE49-F238E27FC236}">
-                <a16:creationId xmlns:a16="http://schemas.microsoft.com/office/drawing/2014/main" id="{A1E89AF1-7C57-C445-8A5F-F617391FB788}"/>
+          <p:cNvPr id="50" name="직선 화살표 연결선 49">
+            <a:extLst>
+              <a:ext uri="{FF2B5EF4-FFF2-40B4-BE49-F238E27FC236}">
+                <a16:creationId xmlns:a16="http://schemas.microsoft.com/office/drawing/2014/main" id="{46AD21CB-C616-B84C-867F-25125E21E557}"/>
               </a:ext>
             </a:extLst>
           </p:cNvPr>
           <p:cNvCxnSpPr>
             <a:cxnSpLocks/>
-            <a:stCxn id="9" idx="6"/>
-            <a:endCxn id="12" idx="2"/>
+            <a:stCxn id="11" idx="6"/>
+            <a:endCxn id="33" idx="2"/>
           </p:cNvCxnSpPr>
           <p:nvPr/>
         </p:nvCxnSpPr>
         <p:spPr>
-          <a:xfrm flipV="1">
-            <a:off x="3245137" y="4328276"/>
-            <a:ext cx="1203294" cy="695100"/>
+          <a:xfrm>
+            <a:off x="5189837" y="3891100"/>
+            <a:ext cx="1203293" cy="1132276"/>
           </a:xfrm>
           <a:prstGeom prst="straightConnector1">
             <a:avLst/>
@@ -4709,8 +6916,7 @@
             <a:solidFill>
               <a:schemeClr val="tx1"/>
             </a:solidFill>
-            <a:headEnd type="triangle" w="lg" len="lg"/>
-            <a:tailEnd type="triangle" w="lg" len="lg"/>
+            <a:tailEnd type="triangle"/>
           </a:ln>
         </p:spPr>
         <p:style>
@@ -4728,198 +6934,307 @@
           </a:fontRef>
         </p:style>
       </p:cxnSp>
-      <p:cxnSp>
-        <p:nvCxnSpPr>
-          <p:cNvPr id="37" name="직선 화살표 연결선 36">
-            <a:extLst>
-              <a:ext uri="{FF2B5EF4-FFF2-40B4-BE49-F238E27FC236}">
-                <a16:creationId xmlns:a16="http://schemas.microsoft.com/office/drawing/2014/main" id="{45A690DC-B274-2141-8EF4-021665AED71F}"/>
-              </a:ext>
-            </a:extLst>
-          </p:cNvPr>
-          <p:cNvCxnSpPr>
-            <a:cxnSpLocks/>
-            <a:stCxn id="8" idx="6"/>
-            <a:endCxn id="11" idx="2"/>
-          </p:cNvCxnSpPr>
-          <p:nvPr/>
-        </p:nvCxnSpPr>
-        <p:spPr>
-          <a:xfrm flipV="1">
-            <a:off x="3245138" y="3330429"/>
-            <a:ext cx="1203292" cy="610382"/>
-          </a:xfrm>
-          <a:prstGeom prst="straightConnector1">
-            <a:avLst/>
-          </a:prstGeom>
-          <a:ln w="28575">
-            <a:solidFill>
-              <a:schemeClr val="tx1"/>
-            </a:solidFill>
-            <a:headEnd type="triangle" w="lg" len="lg"/>
-            <a:tailEnd type="triangle" w="lg" len="lg"/>
-          </a:ln>
-        </p:spPr>
-        <p:style>
-          <a:lnRef idx="1">
-            <a:schemeClr val="accent1"/>
-          </a:lnRef>
-          <a:fillRef idx="0">
-            <a:schemeClr val="accent1"/>
-          </a:fillRef>
-          <a:effectRef idx="0">
-            <a:schemeClr val="accent1"/>
-          </a:effectRef>
-          <a:fontRef idx="minor">
-            <a:schemeClr val="tx1"/>
-          </a:fontRef>
-        </p:style>
-      </p:cxnSp>
-      <p:cxnSp>
-        <p:nvCxnSpPr>
-          <p:cNvPr id="40" name="직선 화살표 연결선 39">
-            <a:extLst>
-              <a:ext uri="{FF2B5EF4-FFF2-40B4-BE49-F238E27FC236}">
-                <a16:creationId xmlns:a16="http://schemas.microsoft.com/office/drawing/2014/main" id="{7761BE83-BAA4-1545-98B6-92C172D0DCC4}"/>
-              </a:ext>
-            </a:extLst>
-          </p:cNvPr>
-          <p:cNvCxnSpPr>
-            <a:cxnSpLocks/>
-            <a:stCxn id="8" idx="6"/>
-            <a:endCxn id="12" idx="2"/>
-          </p:cNvCxnSpPr>
-          <p:nvPr/>
-        </p:nvCxnSpPr>
-        <p:spPr>
-          <a:xfrm>
-            <a:off x="3245138" y="3940811"/>
-            <a:ext cx="1203293" cy="387465"/>
-          </a:xfrm>
-          <a:prstGeom prst="straightConnector1">
-            <a:avLst/>
-          </a:prstGeom>
-          <a:ln w="28575">
-            <a:solidFill>
-              <a:schemeClr val="tx1"/>
-            </a:solidFill>
-            <a:headEnd type="triangle" w="lg" len="lg"/>
-            <a:tailEnd type="triangle" w="lg" len="lg"/>
-          </a:ln>
-        </p:spPr>
-        <p:style>
-          <a:lnRef idx="1">
-            <a:schemeClr val="accent1"/>
-          </a:lnRef>
-          <a:fillRef idx="0">
-            <a:schemeClr val="accent1"/>
-          </a:fillRef>
-          <a:effectRef idx="0">
-            <a:schemeClr val="accent1"/>
-          </a:effectRef>
-          <a:fontRef idx="minor">
-            <a:schemeClr val="tx1"/>
-          </a:fontRef>
-        </p:style>
-      </p:cxnSp>
-      <p:cxnSp>
-        <p:nvCxnSpPr>
-          <p:cNvPr id="43" name="직선 화살표 연결선 42">
-            <a:extLst>
-              <a:ext uri="{FF2B5EF4-FFF2-40B4-BE49-F238E27FC236}">
-                <a16:creationId xmlns:a16="http://schemas.microsoft.com/office/drawing/2014/main" id="{696D93FC-CAF0-9746-8CEE-A0B80B978D85}"/>
-              </a:ext>
-            </a:extLst>
-          </p:cNvPr>
-          <p:cNvCxnSpPr>
-            <a:cxnSpLocks/>
-            <a:stCxn id="5" idx="6"/>
-            <a:endCxn id="11" idx="2"/>
-          </p:cNvCxnSpPr>
-          <p:nvPr/>
-        </p:nvCxnSpPr>
-        <p:spPr>
-          <a:xfrm>
-            <a:off x="3245138" y="2858246"/>
-            <a:ext cx="1203292" cy="472183"/>
-          </a:xfrm>
-          <a:prstGeom prst="straightConnector1">
-            <a:avLst/>
-          </a:prstGeom>
-          <a:ln w="28575">
-            <a:solidFill>
-              <a:schemeClr val="tx1"/>
-            </a:solidFill>
-            <a:headEnd type="triangle" w="lg" len="lg"/>
-            <a:tailEnd type="triangle" w="lg" len="lg"/>
-          </a:ln>
-        </p:spPr>
-        <p:style>
-          <a:lnRef idx="1">
-            <a:schemeClr val="accent1"/>
-          </a:lnRef>
-          <a:fillRef idx="0">
-            <a:schemeClr val="accent1"/>
-          </a:fillRef>
-          <a:effectRef idx="0">
-            <a:schemeClr val="accent1"/>
-          </a:effectRef>
-          <a:fontRef idx="minor">
-            <a:schemeClr val="tx1"/>
-          </a:fontRef>
-        </p:style>
-      </p:cxnSp>
-      <p:cxnSp>
-        <p:nvCxnSpPr>
-          <p:cNvPr id="46" name="직선 화살표 연결선 45">
-            <a:extLst>
-              <a:ext uri="{FF2B5EF4-FFF2-40B4-BE49-F238E27FC236}">
-                <a16:creationId xmlns:a16="http://schemas.microsoft.com/office/drawing/2014/main" id="{2AB51264-3818-B346-9974-630376927311}"/>
-              </a:ext>
-            </a:extLst>
-          </p:cNvPr>
-          <p:cNvCxnSpPr>
-            <a:cxnSpLocks/>
-            <a:stCxn id="5" idx="6"/>
-            <a:endCxn id="12" idx="2"/>
-          </p:cNvCxnSpPr>
-          <p:nvPr/>
-        </p:nvCxnSpPr>
-        <p:spPr>
-          <a:xfrm>
-            <a:off x="3245138" y="2858246"/>
-            <a:ext cx="1203293" cy="1470030"/>
-          </a:xfrm>
-          <a:prstGeom prst="straightConnector1">
-            <a:avLst/>
-          </a:prstGeom>
-          <a:ln w="28575">
-            <a:solidFill>
-              <a:schemeClr val="tx1"/>
-            </a:solidFill>
-            <a:headEnd type="triangle" w="lg" len="lg"/>
-            <a:tailEnd type="triangle" w="lg" len="lg"/>
-          </a:ln>
-        </p:spPr>
-        <p:style>
-          <a:lnRef idx="1">
-            <a:schemeClr val="accent1"/>
-          </a:lnRef>
-          <a:fillRef idx="0">
-            <a:schemeClr val="accent1"/>
-          </a:fillRef>
-          <a:effectRef idx="0">
-            <a:schemeClr val="accent1"/>
-          </a:effectRef>
-          <a:fontRef idx="minor">
-            <a:schemeClr val="tx1"/>
-          </a:fontRef>
-        </p:style>
-      </p:cxnSp>
+      <mc:AlternateContent xmlns:mc="http://schemas.openxmlformats.org/markup-compatibility/2006">
+        <mc:Choice xmlns:a14="http://schemas.microsoft.com/office/drawing/2010/main" Requires="a14">
+          <p:sp>
+            <p:nvSpPr>
+              <p:cNvPr id="57" name="TextBox 56">
+                <a:extLst>
+                  <a:ext uri="{FF2B5EF4-FFF2-40B4-BE49-F238E27FC236}">
+                    <a16:creationId xmlns:a16="http://schemas.microsoft.com/office/drawing/2014/main" id="{4449699C-71EF-EA42-B52B-E92C1458CE3A}"/>
+                  </a:ext>
+                </a:extLst>
+              </p:cNvPr>
+              <p:cNvSpPr txBox="1"/>
+              <p:nvPr/>
+            </p:nvSpPr>
+            <p:spPr>
+              <a:xfrm>
+                <a:off x="2349272" y="5423124"/>
+                <a:ext cx="1050324" cy="830997"/>
+              </a:xfrm>
+              <a:prstGeom prst="rect">
+                <a:avLst/>
+              </a:prstGeom>
+              <a:noFill/>
+            </p:spPr>
+            <p:txBody>
+              <a:bodyPr wrap="square" rtlCol="0">
+                <a:spAutoFit/>
+              </a:bodyPr>
+              <a:lstStyle/>
+              <a:p>
+                <a14:m>
+                  <m:oMathPara xmlns:m="http://schemas.openxmlformats.org/officeDocument/2006/math">
+                    <m:oMathParaPr>
+                      <m:jc m:val="centerGroup"/>
+                    </m:oMathParaPr>
+                    <m:oMath xmlns:m="http://schemas.openxmlformats.org/officeDocument/2006/math">
+                      <m:r>
+                        <a:rPr kumimoji="1" lang="en-US" altLang="ko-Kore-KR" sz="4800" b="0" i="1" smtClean="0">
+                          <a:latin typeface="Cambria Math" panose="02040503050406030204" pitchFamily="18" charset="0"/>
+                        </a:rPr>
+                        <m:t>𝑥</m:t>
+                      </m:r>
+                    </m:oMath>
+                  </m:oMathPara>
+                </a14:m>
+                <a:endParaRPr kumimoji="1" lang="ko-Kore-KR" altLang="en-US" sz="4800" dirty="0"/>
+              </a:p>
+            </p:txBody>
+          </p:sp>
+        </mc:Choice>
+        <mc:Fallback>
+          <p:sp>
+            <p:nvSpPr>
+              <p:cNvPr id="57" name="TextBox 56">
+                <a:extLst>
+                  <a:ext uri="{FF2B5EF4-FFF2-40B4-BE49-F238E27FC236}">
+                    <a16:creationId xmlns:a16="http://schemas.microsoft.com/office/drawing/2014/main" id="{4449699C-71EF-EA42-B52B-E92C1458CE3A}"/>
+                  </a:ext>
+                </a:extLst>
+              </p:cNvPr>
+              <p:cNvSpPr txBox="1">
+                <a:spLocks noRot="1" noChangeAspect="1" noMove="1" noResize="1" noEditPoints="1" noAdjustHandles="1" noChangeArrowheads="1" noChangeShapeType="1" noTextEdit="1"/>
+              </p:cNvSpPr>
+              <p:nvPr/>
+            </p:nvSpPr>
+            <p:spPr>
+              <a:xfrm>
+                <a:off x="2349272" y="5423124"/>
+                <a:ext cx="1050324" cy="830997"/>
+              </a:xfrm>
+              <a:prstGeom prst="rect">
+                <a:avLst/>
+              </a:prstGeom>
+              <a:blipFill>
+                <a:blip r:embed="rId12"/>
+                <a:stretch>
+                  <a:fillRect/>
+                </a:stretch>
+              </a:blipFill>
+            </p:spPr>
+            <p:txBody>
+              <a:bodyPr/>
+              <a:lstStyle/>
+              <a:p>
+                <a:r>
+                  <a:rPr lang="ko-Kore-KR" altLang="en-US">
+                    <a:noFill/>
+                  </a:rPr>
+                  <a:t> </a:t>
+                </a:r>
+              </a:p>
+            </p:txBody>
+          </p:sp>
+        </mc:Fallback>
+      </mc:AlternateContent>
+      <mc:AlternateContent xmlns:mc="http://schemas.openxmlformats.org/markup-compatibility/2006">
+        <mc:Choice xmlns:a14="http://schemas.microsoft.com/office/drawing/2010/main" Requires="a14">
+          <p:sp>
+            <p:nvSpPr>
+              <p:cNvPr id="58" name="TextBox 57">
+                <a:extLst>
+                  <a:ext uri="{FF2B5EF4-FFF2-40B4-BE49-F238E27FC236}">
+                    <a16:creationId xmlns:a16="http://schemas.microsoft.com/office/drawing/2014/main" id="{2ABCD841-7841-1F4D-8A87-0F3BDF7016D3}"/>
+                  </a:ext>
+                </a:extLst>
+              </p:cNvPr>
+              <p:cNvSpPr txBox="1"/>
+              <p:nvPr/>
+            </p:nvSpPr>
+            <p:spPr>
+              <a:xfrm>
+                <a:off x="6238670" y="5423124"/>
+                <a:ext cx="1050324" cy="830997"/>
+              </a:xfrm>
+              <a:prstGeom prst="rect">
+                <a:avLst/>
+              </a:prstGeom>
+              <a:noFill/>
+            </p:spPr>
+            <p:txBody>
+              <a:bodyPr wrap="square" rtlCol="0">
+                <a:spAutoFit/>
+              </a:bodyPr>
+              <a:lstStyle/>
+              <a:p>
+                <a14:m>
+                  <m:oMathPara xmlns:m="http://schemas.openxmlformats.org/officeDocument/2006/math">
+                    <m:oMathParaPr>
+                      <m:jc m:val="centerGroup"/>
+                    </m:oMathParaPr>
+                    <m:oMath xmlns:m="http://schemas.openxmlformats.org/officeDocument/2006/math">
+                      <m:acc>
+                        <m:accPr>
+                          <m:chr m:val="̂"/>
+                          <m:ctrlPr>
+                            <a:rPr kumimoji="1" lang="en-US" altLang="ko-Kore-KR" sz="4800" b="0" i="1" smtClean="0">
+                              <a:latin typeface="Cambria Math" panose="02040503050406030204" pitchFamily="18" charset="0"/>
+                            </a:rPr>
+                          </m:ctrlPr>
+                        </m:accPr>
+                        <m:e>
+                          <m:r>
+                            <a:rPr kumimoji="1" lang="en-US" altLang="ko-Kore-KR" sz="4800" b="0" i="1" smtClean="0">
+                              <a:latin typeface="Cambria Math" panose="02040503050406030204" pitchFamily="18" charset="0"/>
+                            </a:rPr>
+                            <m:t>𝑥</m:t>
+                          </m:r>
+                        </m:e>
+                      </m:acc>
+                    </m:oMath>
+                  </m:oMathPara>
+                </a14:m>
+                <a:endParaRPr kumimoji="1" lang="ko-Kore-KR" altLang="en-US" sz="4800" dirty="0"/>
+              </a:p>
+            </p:txBody>
+          </p:sp>
+        </mc:Choice>
+        <mc:Fallback>
+          <p:sp>
+            <p:nvSpPr>
+              <p:cNvPr id="58" name="TextBox 57">
+                <a:extLst>
+                  <a:ext uri="{FF2B5EF4-FFF2-40B4-BE49-F238E27FC236}">
+                    <a16:creationId xmlns:a16="http://schemas.microsoft.com/office/drawing/2014/main" id="{2ABCD841-7841-1F4D-8A87-0F3BDF7016D3}"/>
+                  </a:ext>
+                </a:extLst>
+              </p:cNvPr>
+              <p:cNvSpPr txBox="1">
+                <a:spLocks noRot="1" noChangeAspect="1" noMove="1" noResize="1" noEditPoints="1" noAdjustHandles="1" noChangeArrowheads="1" noChangeShapeType="1" noTextEdit="1"/>
+              </p:cNvSpPr>
+              <p:nvPr/>
+            </p:nvSpPr>
+            <p:spPr>
+              <a:xfrm>
+                <a:off x="6238670" y="5423124"/>
+                <a:ext cx="1050324" cy="830997"/>
+              </a:xfrm>
+              <a:prstGeom prst="rect">
+                <a:avLst/>
+              </a:prstGeom>
+              <a:blipFill>
+                <a:blip r:embed="rId13"/>
+                <a:stretch>
+                  <a:fillRect t="-12121"/>
+                </a:stretch>
+              </a:blipFill>
+            </p:spPr>
+            <p:txBody>
+              <a:bodyPr/>
+              <a:lstStyle/>
+              <a:p>
+                <a:r>
+                  <a:rPr lang="ko-Kore-KR" altLang="en-US">
+                    <a:noFill/>
+                  </a:rPr>
+                  <a:t> </a:t>
+                </a:r>
+              </a:p>
+            </p:txBody>
+          </p:sp>
+        </mc:Fallback>
+      </mc:AlternateContent>
+      <mc:AlternateContent xmlns:mc="http://schemas.openxmlformats.org/markup-compatibility/2006">
+        <mc:Choice xmlns:a14="http://schemas.microsoft.com/office/drawing/2010/main" Requires="a14">
+          <p:sp>
+            <p:nvSpPr>
+              <p:cNvPr id="59" name="TextBox 58">
+                <a:extLst>
+                  <a:ext uri="{FF2B5EF4-FFF2-40B4-BE49-F238E27FC236}">
+                    <a16:creationId xmlns:a16="http://schemas.microsoft.com/office/drawing/2014/main" id="{5697C3BF-A3A7-AF4D-B600-F8B4541649B6}"/>
+                  </a:ext>
+                </a:extLst>
+              </p:cNvPr>
+              <p:cNvSpPr txBox="1"/>
+              <p:nvPr/>
+            </p:nvSpPr>
+            <p:spPr>
+              <a:xfrm>
+                <a:off x="4293972" y="4142668"/>
+                <a:ext cx="1050324" cy="830997"/>
+              </a:xfrm>
+              <a:prstGeom prst="rect">
+                <a:avLst/>
+              </a:prstGeom>
+              <a:noFill/>
+            </p:spPr>
+            <p:txBody>
+              <a:bodyPr wrap="square" rtlCol="0">
+                <a:spAutoFit/>
+              </a:bodyPr>
+              <a:lstStyle/>
+              <a:p>
+                <a14:m>
+                  <m:oMathPara xmlns:m="http://schemas.openxmlformats.org/officeDocument/2006/math">
+                    <m:oMathParaPr>
+                      <m:jc m:val="centerGroup"/>
+                    </m:oMathParaPr>
+                    <m:oMath xmlns:m="http://schemas.openxmlformats.org/officeDocument/2006/math">
+                      <m:r>
+                        <a:rPr kumimoji="1" lang="en-US" altLang="ko-Kore-KR" sz="4800" b="0" i="1" smtClean="0">
+                          <a:latin typeface="Cambria Math" panose="02040503050406030204" pitchFamily="18" charset="0"/>
+                        </a:rPr>
+                        <m:t>𝑧</m:t>
+                      </m:r>
+                    </m:oMath>
+                  </m:oMathPara>
+                </a14:m>
+                <a:endParaRPr kumimoji="1" lang="ko-Kore-KR" altLang="en-US" sz="4800" dirty="0"/>
+              </a:p>
+            </p:txBody>
+          </p:sp>
+        </mc:Choice>
+        <mc:Fallback>
+          <p:sp>
+            <p:nvSpPr>
+              <p:cNvPr id="59" name="TextBox 58">
+                <a:extLst>
+                  <a:ext uri="{FF2B5EF4-FFF2-40B4-BE49-F238E27FC236}">
+                    <a16:creationId xmlns:a16="http://schemas.microsoft.com/office/drawing/2014/main" id="{5697C3BF-A3A7-AF4D-B600-F8B4541649B6}"/>
+                  </a:ext>
+                </a:extLst>
+              </p:cNvPr>
+              <p:cNvSpPr txBox="1">
+                <a:spLocks noRot="1" noChangeAspect="1" noMove="1" noResize="1" noEditPoints="1" noAdjustHandles="1" noChangeArrowheads="1" noChangeShapeType="1" noTextEdit="1"/>
+              </p:cNvSpPr>
+              <p:nvPr/>
+            </p:nvSpPr>
+            <p:spPr>
+              <a:xfrm>
+                <a:off x="4293972" y="4142668"/>
+                <a:ext cx="1050324" cy="830997"/>
+              </a:xfrm>
+              <a:prstGeom prst="rect">
+                <a:avLst/>
+              </a:prstGeom>
+              <a:blipFill>
+                <a:blip r:embed="rId14"/>
+                <a:stretch>
+                  <a:fillRect/>
+                </a:stretch>
+              </a:blipFill>
+            </p:spPr>
+            <p:txBody>
+              <a:bodyPr/>
+              <a:lstStyle/>
+              <a:p>
+                <a:r>
+                  <a:rPr lang="ko-Kore-KR" altLang="en-US">
+                    <a:noFill/>
+                  </a:rPr>
+                  <a:t> </a:t>
+                </a:r>
+              </a:p>
+            </p:txBody>
+          </p:sp>
+        </mc:Fallback>
+      </mc:AlternateContent>
     </p:spTree>
     <p:extLst>
       <p:ext uri="{BB962C8B-B14F-4D97-AF65-F5344CB8AC3E}">
-        <p14:creationId xmlns:p14="http://schemas.microsoft.com/office/powerpoint/2010/main" val="4041025473"/>
+        <p14:creationId xmlns:p14="http://schemas.microsoft.com/office/powerpoint/2010/main" val="624630984"/>
       </p:ext>
     </p:extLst>
   </p:cSld>
